--- a/docs/vb_codestyle/diagrams.pptx
+++ b/docs/vb_codestyle/diagrams.pptx
@@ -105,6 +105,2584 @@
     </a:lvl9pPr>
   </p:defaultTextStyle>
 </p:presentation>
+</file>
+
+<file path=ppt/diagrams/colors1.xml><?xml version="1.0" encoding="utf-8"?>
+<dgm:colorsDef xmlns:dgm="http://schemas.openxmlformats.org/drawingml/2006/diagram" xmlns:a="http://schemas.openxmlformats.org/drawingml/2006/main" uniqueId="urn:microsoft.com/office/officeart/2005/8/colors/accent1_2">
+  <dgm:title val=""/>
+  <dgm:desc val=""/>
+  <dgm:catLst>
+    <dgm:cat type="accent1" pri="11200"/>
+  </dgm:catLst>
+  <dgm:styleLbl name="node0">
+    <dgm:fillClrLst meth="repeat">
+      <a:schemeClr val="accent1"/>
+    </dgm:fillClrLst>
+    <dgm:linClrLst meth="repeat">
+      <a:schemeClr val="lt1"/>
+    </dgm:linClrLst>
+    <dgm:effectClrLst/>
+    <dgm:txLinClrLst/>
+    <dgm:txFillClrLst/>
+    <dgm:txEffectClrLst/>
+  </dgm:styleLbl>
+  <dgm:styleLbl name="alignNode1">
+    <dgm:fillClrLst meth="repeat">
+      <a:schemeClr val="accent1"/>
+    </dgm:fillClrLst>
+    <dgm:linClrLst meth="repeat">
+      <a:schemeClr val="accent1"/>
+    </dgm:linClrLst>
+    <dgm:effectClrLst/>
+    <dgm:txLinClrLst/>
+    <dgm:txFillClrLst/>
+    <dgm:txEffectClrLst/>
+  </dgm:styleLbl>
+  <dgm:styleLbl name="node1">
+    <dgm:fillClrLst meth="repeat">
+      <a:schemeClr val="accent1"/>
+    </dgm:fillClrLst>
+    <dgm:linClrLst meth="repeat">
+      <a:schemeClr val="lt1"/>
+    </dgm:linClrLst>
+    <dgm:effectClrLst/>
+    <dgm:txLinClrLst/>
+    <dgm:txFillClrLst/>
+    <dgm:txEffectClrLst/>
+  </dgm:styleLbl>
+  <dgm:styleLbl name="lnNode1">
+    <dgm:fillClrLst meth="repeat">
+      <a:schemeClr val="accent1"/>
+    </dgm:fillClrLst>
+    <dgm:linClrLst meth="repeat">
+      <a:schemeClr val="lt1"/>
+    </dgm:linClrLst>
+    <dgm:effectClrLst/>
+    <dgm:txLinClrLst/>
+    <dgm:txFillClrLst/>
+    <dgm:txEffectClrLst/>
+  </dgm:styleLbl>
+  <dgm:styleLbl name="vennNode1">
+    <dgm:fillClrLst meth="repeat">
+      <a:schemeClr val="accent1">
+        <a:alpha val="50000"/>
+      </a:schemeClr>
+    </dgm:fillClrLst>
+    <dgm:linClrLst meth="repeat">
+      <a:schemeClr val="lt1"/>
+    </dgm:linClrLst>
+    <dgm:effectClrLst/>
+    <dgm:txLinClrLst/>
+    <dgm:txFillClrLst/>
+    <dgm:txEffectClrLst/>
+  </dgm:styleLbl>
+  <dgm:styleLbl name="node2">
+    <dgm:fillClrLst meth="repeat">
+      <a:schemeClr val="accent1"/>
+    </dgm:fillClrLst>
+    <dgm:linClrLst meth="repeat">
+      <a:schemeClr val="lt1"/>
+    </dgm:linClrLst>
+    <dgm:effectClrLst/>
+    <dgm:txLinClrLst/>
+    <dgm:txFillClrLst/>
+    <dgm:txEffectClrLst/>
+  </dgm:styleLbl>
+  <dgm:styleLbl name="node3">
+    <dgm:fillClrLst meth="repeat">
+      <a:schemeClr val="accent1"/>
+    </dgm:fillClrLst>
+    <dgm:linClrLst meth="repeat">
+      <a:schemeClr val="lt1"/>
+    </dgm:linClrLst>
+    <dgm:effectClrLst/>
+    <dgm:txLinClrLst/>
+    <dgm:txFillClrLst/>
+    <dgm:txEffectClrLst/>
+  </dgm:styleLbl>
+  <dgm:styleLbl name="node4">
+    <dgm:fillClrLst meth="repeat">
+      <a:schemeClr val="accent1"/>
+    </dgm:fillClrLst>
+    <dgm:linClrLst meth="repeat">
+      <a:schemeClr val="lt1"/>
+    </dgm:linClrLst>
+    <dgm:effectClrLst/>
+    <dgm:txLinClrLst/>
+    <dgm:txFillClrLst/>
+    <dgm:txEffectClrLst/>
+  </dgm:styleLbl>
+  <dgm:styleLbl name="fgImgPlace1">
+    <dgm:fillClrLst meth="repeat">
+      <a:schemeClr val="accent1">
+        <a:tint val="50000"/>
+      </a:schemeClr>
+    </dgm:fillClrLst>
+    <dgm:linClrLst meth="repeat">
+      <a:schemeClr val="lt1"/>
+    </dgm:linClrLst>
+    <dgm:effectClrLst/>
+    <dgm:txLinClrLst/>
+    <dgm:txFillClrLst meth="repeat">
+      <a:schemeClr val="lt1"/>
+    </dgm:txFillClrLst>
+    <dgm:txEffectClrLst/>
+  </dgm:styleLbl>
+  <dgm:styleLbl name="alignImgPlace1">
+    <dgm:fillClrLst meth="repeat">
+      <a:schemeClr val="accent1">
+        <a:tint val="50000"/>
+      </a:schemeClr>
+    </dgm:fillClrLst>
+    <dgm:linClrLst meth="repeat">
+      <a:schemeClr val="lt1"/>
+    </dgm:linClrLst>
+    <dgm:effectClrLst/>
+    <dgm:txLinClrLst/>
+    <dgm:txFillClrLst meth="repeat">
+      <a:schemeClr val="lt1"/>
+    </dgm:txFillClrLst>
+    <dgm:txEffectClrLst/>
+  </dgm:styleLbl>
+  <dgm:styleLbl name="bgImgPlace1">
+    <dgm:fillClrLst meth="repeat">
+      <a:schemeClr val="accent1">
+        <a:tint val="50000"/>
+      </a:schemeClr>
+    </dgm:fillClrLst>
+    <dgm:linClrLst meth="repeat">
+      <a:schemeClr val="lt1"/>
+    </dgm:linClrLst>
+    <dgm:effectClrLst/>
+    <dgm:txLinClrLst/>
+    <dgm:txFillClrLst meth="repeat">
+      <a:schemeClr val="lt1"/>
+    </dgm:txFillClrLst>
+    <dgm:txEffectClrLst/>
+  </dgm:styleLbl>
+  <dgm:styleLbl name="sibTrans2D1">
+    <dgm:fillClrLst meth="repeat">
+      <a:schemeClr val="accent1">
+        <a:tint val="60000"/>
+      </a:schemeClr>
+    </dgm:fillClrLst>
+    <dgm:linClrLst meth="repeat">
+      <a:schemeClr val="accent1">
+        <a:tint val="60000"/>
+      </a:schemeClr>
+    </dgm:linClrLst>
+    <dgm:effectClrLst/>
+    <dgm:txLinClrLst/>
+    <dgm:txFillClrLst/>
+    <dgm:txEffectClrLst/>
+  </dgm:styleLbl>
+  <dgm:styleLbl name="fgSibTrans2D1">
+    <dgm:fillClrLst meth="repeat">
+      <a:schemeClr val="accent1">
+        <a:tint val="60000"/>
+      </a:schemeClr>
+    </dgm:fillClrLst>
+    <dgm:linClrLst meth="repeat">
+      <a:schemeClr val="accent1">
+        <a:tint val="60000"/>
+      </a:schemeClr>
+    </dgm:linClrLst>
+    <dgm:effectClrLst/>
+    <dgm:txLinClrLst/>
+    <dgm:txFillClrLst/>
+    <dgm:txEffectClrLst/>
+  </dgm:styleLbl>
+  <dgm:styleLbl name="bgSibTrans2D1">
+    <dgm:fillClrLst meth="repeat">
+      <a:schemeClr val="accent1">
+        <a:tint val="60000"/>
+      </a:schemeClr>
+    </dgm:fillClrLst>
+    <dgm:linClrLst meth="repeat">
+      <a:schemeClr val="accent1">
+        <a:tint val="60000"/>
+      </a:schemeClr>
+    </dgm:linClrLst>
+    <dgm:effectClrLst/>
+    <dgm:txLinClrLst/>
+    <dgm:txFillClrLst/>
+    <dgm:txEffectClrLst/>
+  </dgm:styleLbl>
+  <dgm:styleLbl name="sibTrans1D1">
+    <dgm:fillClrLst meth="repeat">
+      <a:schemeClr val="accent1"/>
+    </dgm:fillClrLst>
+    <dgm:linClrLst meth="repeat">
+      <a:schemeClr val="accent1"/>
+    </dgm:linClrLst>
+    <dgm:effectClrLst/>
+    <dgm:txLinClrLst/>
+    <dgm:txFillClrLst meth="repeat">
+      <a:schemeClr val="tx1"/>
+    </dgm:txFillClrLst>
+    <dgm:txEffectClrLst/>
+  </dgm:styleLbl>
+  <dgm:styleLbl name="callout">
+    <dgm:fillClrLst meth="repeat">
+      <a:schemeClr val="accent1"/>
+    </dgm:fillClrLst>
+    <dgm:linClrLst meth="repeat">
+      <a:schemeClr val="accent1">
+        <a:tint val="50000"/>
+      </a:schemeClr>
+    </dgm:linClrLst>
+    <dgm:effectClrLst/>
+    <dgm:txLinClrLst/>
+    <dgm:txFillClrLst meth="repeat">
+      <a:schemeClr val="tx1"/>
+    </dgm:txFillClrLst>
+    <dgm:txEffectClrLst/>
+  </dgm:styleLbl>
+  <dgm:styleLbl name="asst0">
+    <dgm:fillClrLst meth="repeat">
+      <a:schemeClr val="accent1"/>
+    </dgm:fillClrLst>
+    <dgm:linClrLst meth="repeat">
+      <a:schemeClr val="lt1"/>
+    </dgm:linClrLst>
+    <dgm:effectClrLst/>
+    <dgm:txLinClrLst/>
+    <dgm:txFillClrLst/>
+    <dgm:txEffectClrLst/>
+  </dgm:styleLbl>
+  <dgm:styleLbl name="asst1">
+    <dgm:fillClrLst meth="repeat">
+      <a:schemeClr val="accent1"/>
+    </dgm:fillClrLst>
+    <dgm:linClrLst meth="repeat">
+      <a:schemeClr val="lt1"/>
+    </dgm:linClrLst>
+    <dgm:effectClrLst/>
+    <dgm:txLinClrLst/>
+    <dgm:txFillClrLst/>
+    <dgm:txEffectClrLst/>
+  </dgm:styleLbl>
+  <dgm:styleLbl name="asst2">
+    <dgm:fillClrLst meth="repeat">
+      <a:schemeClr val="accent1"/>
+    </dgm:fillClrLst>
+    <dgm:linClrLst meth="repeat">
+      <a:schemeClr val="lt1"/>
+    </dgm:linClrLst>
+    <dgm:effectClrLst/>
+    <dgm:txLinClrLst/>
+    <dgm:txFillClrLst/>
+    <dgm:txEffectClrLst/>
+  </dgm:styleLbl>
+  <dgm:styleLbl name="asst3">
+    <dgm:fillClrLst meth="repeat">
+      <a:schemeClr val="accent1"/>
+    </dgm:fillClrLst>
+    <dgm:linClrLst meth="repeat">
+      <a:schemeClr val="lt1"/>
+    </dgm:linClrLst>
+    <dgm:effectClrLst/>
+    <dgm:txLinClrLst/>
+    <dgm:txFillClrLst/>
+    <dgm:txEffectClrLst/>
+  </dgm:styleLbl>
+  <dgm:styleLbl name="asst4">
+    <dgm:fillClrLst meth="repeat">
+      <a:schemeClr val="accent1"/>
+    </dgm:fillClrLst>
+    <dgm:linClrLst meth="repeat">
+      <a:schemeClr val="lt1"/>
+    </dgm:linClrLst>
+    <dgm:effectClrLst/>
+    <dgm:txLinClrLst/>
+    <dgm:txFillClrLst/>
+    <dgm:txEffectClrLst/>
+  </dgm:styleLbl>
+  <dgm:styleLbl name="parChTrans2D1">
+    <dgm:fillClrLst meth="repeat">
+      <a:schemeClr val="accent1">
+        <a:tint val="60000"/>
+      </a:schemeClr>
+    </dgm:fillClrLst>
+    <dgm:linClrLst meth="repeat">
+      <a:schemeClr val="accent1">
+        <a:tint val="60000"/>
+      </a:schemeClr>
+    </dgm:linClrLst>
+    <dgm:effectClrLst/>
+    <dgm:txLinClrLst/>
+    <dgm:txFillClrLst meth="repeat">
+      <a:schemeClr val="lt1"/>
+    </dgm:txFillClrLst>
+    <dgm:txEffectClrLst/>
+  </dgm:styleLbl>
+  <dgm:styleLbl name="parChTrans2D2">
+    <dgm:fillClrLst meth="repeat">
+      <a:schemeClr val="accent1"/>
+    </dgm:fillClrLst>
+    <dgm:linClrLst meth="repeat">
+      <a:schemeClr val="accent1"/>
+    </dgm:linClrLst>
+    <dgm:effectClrLst/>
+    <dgm:txLinClrLst/>
+    <dgm:txFillClrLst meth="repeat">
+      <a:schemeClr val="lt1"/>
+    </dgm:txFillClrLst>
+    <dgm:txEffectClrLst/>
+  </dgm:styleLbl>
+  <dgm:styleLbl name="parChTrans2D3">
+    <dgm:fillClrLst meth="repeat">
+      <a:schemeClr val="accent1"/>
+    </dgm:fillClrLst>
+    <dgm:linClrLst meth="repeat">
+      <a:schemeClr val="accent1"/>
+    </dgm:linClrLst>
+    <dgm:effectClrLst/>
+    <dgm:txLinClrLst/>
+    <dgm:txFillClrLst meth="repeat">
+      <a:schemeClr val="lt1"/>
+    </dgm:txFillClrLst>
+    <dgm:txEffectClrLst/>
+  </dgm:styleLbl>
+  <dgm:styleLbl name="parChTrans2D4">
+    <dgm:fillClrLst meth="repeat">
+      <a:schemeClr val="accent1"/>
+    </dgm:fillClrLst>
+    <dgm:linClrLst meth="repeat">
+      <a:schemeClr val="accent1"/>
+    </dgm:linClrLst>
+    <dgm:effectClrLst/>
+    <dgm:txLinClrLst/>
+    <dgm:txFillClrLst meth="repeat">
+      <a:schemeClr val="lt1"/>
+    </dgm:txFillClrLst>
+    <dgm:txEffectClrLst/>
+  </dgm:styleLbl>
+  <dgm:styleLbl name="parChTrans1D1">
+    <dgm:fillClrLst meth="repeat">
+      <a:schemeClr val="accent1"/>
+    </dgm:fillClrLst>
+    <dgm:linClrLst meth="repeat">
+      <a:schemeClr val="accent1">
+        <a:shade val="60000"/>
+      </a:schemeClr>
+    </dgm:linClrLst>
+    <dgm:effectClrLst/>
+    <dgm:txLinClrLst/>
+    <dgm:txFillClrLst meth="repeat">
+      <a:schemeClr val="tx1"/>
+    </dgm:txFillClrLst>
+    <dgm:txEffectClrLst/>
+  </dgm:styleLbl>
+  <dgm:styleLbl name="parChTrans1D2">
+    <dgm:fillClrLst meth="repeat">
+      <a:schemeClr val="accent1"/>
+    </dgm:fillClrLst>
+    <dgm:linClrLst meth="repeat">
+      <a:schemeClr val="accent1">
+        <a:shade val="60000"/>
+      </a:schemeClr>
+    </dgm:linClrLst>
+    <dgm:effectClrLst/>
+    <dgm:txLinClrLst/>
+    <dgm:txFillClrLst meth="repeat">
+      <a:schemeClr val="tx1"/>
+    </dgm:txFillClrLst>
+    <dgm:txEffectClrLst/>
+  </dgm:styleLbl>
+  <dgm:styleLbl name="parChTrans1D3">
+    <dgm:fillClrLst meth="repeat">
+      <a:schemeClr val="accent1"/>
+    </dgm:fillClrLst>
+    <dgm:linClrLst meth="repeat">
+      <a:schemeClr val="accent1">
+        <a:shade val="80000"/>
+      </a:schemeClr>
+    </dgm:linClrLst>
+    <dgm:effectClrLst/>
+    <dgm:txLinClrLst/>
+    <dgm:txFillClrLst meth="repeat">
+      <a:schemeClr val="tx1"/>
+    </dgm:txFillClrLst>
+    <dgm:txEffectClrLst/>
+  </dgm:styleLbl>
+  <dgm:styleLbl name="parChTrans1D4">
+    <dgm:fillClrLst meth="repeat">
+      <a:schemeClr val="accent1"/>
+    </dgm:fillClrLst>
+    <dgm:linClrLst meth="repeat">
+      <a:schemeClr val="accent1">
+        <a:shade val="80000"/>
+      </a:schemeClr>
+    </dgm:linClrLst>
+    <dgm:effectClrLst/>
+    <dgm:txLinClrLst/>
+    <dgm:txFillClrLst meth="repeat">
+      <a:schemeClr val="tx1"/>
+    </dgm:txFillClrLst>
+    <dgm:txEffectClrLst/>
+  </dgm:styleLbl>
+  <dgm:styleLbl name="fgAcc1">
+    <dgm:fillClrLst meth="repeat">
+      <a:schemeClr val="lt1">
+        <a:alpha val="90000"/>
+      </a:schemeClr>
+    </dgm:fillClrLst>
+    <dgm:linClrLst meth="repeat">
+      <a:schemeClr val="accent1"/>
+    </dgm:linClrLst>
+    <dgm:effectClrLst/>
+    <dgm:txLinClrLst/>
+    <dgm:txFillClrLst meth="repeat">
+      <a:schemeClr val="dk1"/>
+    </dgm:txFillClrLst>
+    <dgm:txEffectClrLst/>
+  </dgm:styleLbl>
+  <dgm:styleLbl name="conFgAcc1">
+    <dgm:fillClrLst meth="repeat">
+      <a:schemeClr val="lt1">
+        <a:alpha val="90000"/>
+      </a:schemeClr>
+    </dgm:fillClrLst>
+    <dgm:linClrLst meth="repeat">
+      <a:schemeClr val="accent1"/>
+    </dgm:linClrLst>
+    <dgm:effectClrLst/>
+    <dgm:txLinClrLst/>
+    <dgm:txFillClrLst meth="repeat">
+      <a:schemeClr val="dk1"/>
+    </dgm:txFillClrLst>
+    <dgm:txEffectClrLst/>
+  </dgm:styleLbl>
+  <dgm:styleLbl name="alignAcc1">
+    <dgm:fillClrLst meth="repeat">
+      <a:schemeClr val="lt1">
+        <a:alpha val="90000"/>
+      </a:schemeClr>
+    </dgm:fillClrLst>
+    <dgm:linClrLst meth="repeat">
+      <a:schemeClr val="accent1"/>
+    </dgm:linClrLst>
+    <dgm:effectClrLst/>
+    <dgm:txLinClrLst/>
+    <dgm:txFillClrLst meth="repeat">
+      <a:schemeClr val="dk1"/>
+    </dgm:txFillClrLst>
+    <dgm:txEffectClrLst/>
+  </dgm:styleLbl>
+  <dgm:styleLbl name="trAlignAcc1">
+    <dgm:fillClrLst meth="repeat">
+      <a:schemeClr val="lt1">
+        <a:alpha val="40000"/>
+      </a:schemeClr>
+    </dgm:fillClrLst>
+    <dgm:linClrLst meth="repeat">
+      <a:schemeClr val="accent1"/>
+    </dgm:linClrLst>
+    <dgm:effectClrLst/>
+    <dgm:txLinClrLst/>
+    <dgm:txFillClrLst meth="repeat">
+      <a:schemeClr val="dk1"/>
+    </dgm:txFillClrLst>
+    <dgm:txEffectClrLst/>
+  </dgm:styleLbl>
+  <dgm:styleLbl name="bgAcc1">
+    <dgm:fillClrLst meth="repeat">
+      <a:schemeClr val="lt1">
+        <a:alpha val="90000"/>
+      </a:schemeClr>
+    </dgm:fillClrLst>
+    <dgm:linClrLst meth="repeat">
+      <a:schemeClr val="accent1"/>
+    </dgm:linClrLst>
+    <dgm:effectClrLst/>
+    <dgm:txLinClrLst/>
+    <dgm:txFillClrLst meth="repeat">
+      <a:schemeClr val="dk1"/>
+    </dgm:txFillClrLst>
+    <dgm:txEffectClrLst/>
+  </dgm:styleLbl>
+  <dgm:styleLbl name="solidFgAcc1">
+    <dgm:fillClrLst meth="repeat">
+      <a:schemeClr val="lt1"/>
+    </dgm:fillClrLst>
+    <dgm:linClrLst meth="repeat">
+      <a:schemeClr val="accent1"/>
+    </dgm:linClrLst>
+    <dgm:effectClrLst/>
+    <dgm:txLinClrLst/>
+    <dgm:txFillClrLst meth="repeat">
+      <a:schemeClr val="dk1"/>
+    </dgm:txFillClrLst>
+    <dgm:txEffectClrLst/>
+  </dgm:styleLbl>
+  <dgm:styleLbl name="solidAlignAcc1">
+    <dgm:fillClrLst meth="repeat">
+      <a:schemeClr val="lt1"/>
+    </dgm:fillClrLst>
+    <dgm:linClrLst meth="repeat">
+      <a:schemeClr val="accent1"/>
+    </dgm:linClrLst>
+    <dgm:effectClrLst/>
+    <dgm:txLinClrLst/>
+    <dgm:txFillClrLst meth="repeat">
+      <a:schemeClr val="dk1"/>
+    </dgm:txFillClrLst>
+    <dgm:txEffectClrLst/>
+  </dgm:styleLbl>
+  <dgm:styleLbl name="solidBgAcc1">
+    <dgm:fillClrLst meth="repeat">
+      <a:schemeClr val="lt1"/>
+    </dgm:fillClrLst>
+    <dgm:linClrLst meth="repeat">
+      <a:schemeClr val="accent1"/>
+    </dgm:linClrLst>
+    <dgm:effectClrLst/>
+    <dgm:txLinClrLst/>
+    <dgm:txFillClrLst meth="repeat">
+      <a:schemeClr val="dk1"/>
+    </dgm:txFillClrLst>
+    <dgm:txEffectClrLst/>
+  </dgm:styleLbl>
+  <dgm:styleLbl name="fgAccFollowNode1">
+    <dgm:fillClrLst meth="repeat">
+      <a:schemeClr val="accent1">
+        <a:alpha val="90000"/>
+        <a:tint val="40000"/>
+      </a:schemeClr>
+    </dgm:fillClrLst>
+    <dgm:linClrLst meth="repeat">
+      <a:schemeClr val="accent1">
+        <a:alpha val="90000"/>
+        <a:tint val="40000"/>
+      </a:schemeClr>
+    </dgm:linClrLst>
+    <dgm:effectClrLst/>
+    <dgm:txLinClrLst/>
+    <dgm:txFillClrLst meth="repeat">
+      <a:schemeClr val="dk1"/>
+    </dgm:txFillClrLst>
+    <dgm:txEffectClrLst/>
+  </dgm:styleLbl>
+  <dgm:styleLbl name="alignAccFollowNode1">
+    <dgm:fillClrLst meth="repeat">
+      <a:schemeClr val="accent1">
+        <a:alpha val="90000"/>
+        <a:tint val="40000"/>
+      </a:schemeClr>
+    </dgm:fillClrLst>
+    <dgm:linClrLst meth="repeat">
+      <a:schemeClr val="accent1">
+        <a:alpha val="90000"/>
+        <a:tint val="40000"/>
+      </a:schemeClr>
+    </dgm:linClrLst>
+    <dgm:effectClrLst/>
+    <dgm:txLinClrLst/>
+    <dgm:txFillClrLst meth="repeat">
+      <a:schemeClr val="dk1"/>
+    </dgm:txFillClrLst>
+    <dgm:txEffectClrLst/>
+  </dgm:styleLbl>
+  <dgm:styleLbl name="bgAccFollowNode1">
+    <dgm:fillClrLst meth="repeat">
+      <a:schemeClr val="accent1">
+        <a:alpha val="90000"/>
+        <a:tint val="40000"/>
+      </a:schemeClr>
+    </dgm:fillClrLst>
+    <dgm:linClrLst meth="repeat">
+      <a:schemeClr val="accent1">
+        <a:alpha val="90000"/>
+        <a:tint val="40000"/>
+      </a:schemeClr>
+    </dgm:linClrLst>
+    <dgm:effectClrLst/>
+    <dgm:txLinClrLst/>
+    <dgm:txFillClrLst meth="repeat">
+      <a:schemeClr val="dk1"/>
+    </dgm:txFillClrLst>
+    <dgm:txEffectClrLst/>
+  </dgm:styleLbl>
+  <dgm:styleLbl name="fgAcc0">
+    <dgm:fillClrLst meth="repeat">
+      <a:schemeClr val="lt1">
+        <a:alpha val="90000"/>
+      </a:schemeClr>
+    </dgm:fillClrLst>
+    <dgm:linClrLst meth="repeat">
+      <a:schemeClr val="accent1"/>
+    </dgm:linClrLst>
+    <dgm:effectClrLst/>
+    <dgm:txLinClrLst/>
+    <dgm:txFillClrLst meth="repeat">
+      <a:schemeClr val="dk1"/>
+    </dgm:txFillClrLst>
+    <dgm:txEffectClrLst/>
+  </dgm:styleLbl>
+  <dgm:styleLbl name="fgAcc2">
+    <dgm:fillClrLst meth="repeat">
+      <a:schemeClr val="lt1">
+        <a:alpha val="90000"/>
+      </a:schemeClr>
+    </dgm:fillClrLst>
+    <dgm:linClrLst meth="repeat">
+      <a:schemeClr val="accent1"/>
+    </dgm:linClrLst>
+    <dgm:effectClrLst/>
+    <dgm:txLinClrLst/>
+    <dgm:txFillClrLst meth="repeat">
+      <a:schemeClr val="dk1"/>
+    </dgm:txFillClrLst>
+    <dgm:txEffectClrLst/>
+  </dgm:styleLbl>
+  <dgm:styleLbl name="fgAcc3">
+    <dgm:fillClrLst meth="repeat">
+      <a:schemeClr val="lt1">
+        <a:alpha val="90000"/>
+      </a:schemeClr>
+    </dgm:fillClrLst>
+    <dgm:linClrLst meth="repeat">
+      <a:schemeClr val="accent1"/>
+    </dgm:linClrLst>
+    <dgm:effectClrLst/>
+    <dgm:txLinClrLst/>
+    <dgm:txFillClrLst meth="repeat">
+      <a:schemeClr val="dk1"/>
+    </dgm:txFillClrLst>
+    <dgm:txEffectClrLst/>
+  </dgm:styleLbl>
+  <dgm:styleLbl name="fgAcc4">
+    <dgm:fillClrLst meth="repeat">
+      <a:schemeClr val="lt1">
+        <a:alpha val="90000"/>
+      </a:schemeClr>
+    </dgm:fillClrLst>
+    <dgm:linClrLst meth="repeat">
+      <a:schemeClr val="accent1"/>
+    </dgm:linClrLst>
+    <dgm:effectClrLst/>
+    <dgm:txLinClrLst/>
+    <dgm:txFillClrLst meth="repeat">
+      <a:schemeClr val="dk1"/>
+    </dgm:txFillClrLst>
+    <dgm:txEffectClrLst/>
+  </dgm:styleLbl>
+  <dgm:styleLbl name="bgShp">
+    <dgm:fillClrLst meth="repeat">
+      <a:schemeClr val="accent1">
+        <a:tint val="40000"/>
+      </a:schemeClr>
+    </dgm:fillClrLst>
+    <dgm:linClrLst meth="repeat">
+      <a:schemeClr val="accent1"/>
+    </dgm:linClrLst>
+    <dgm:effectClrLst/>
+    <dgm:txLinClrLst/>
+    <dgm:txFillClrLst meth="repeat">
+      <a:schemeClr val="dk1"/>
+    </dgm:txFillClrLst>
+    <dgm:txEffectClrLst/>
+  </dgm:styleLbl>
+  <dgm:styleLbl name="dkBgShp">
+    <dgm:fillClrLst meth="repeat">
+      <a:schemeClr val="accent1">
+        <a:shade val="80000"/>
+      </a:schemeClr>
+    </dgm:fillClrLst>
+    <dgm:linClrLst meth="repeat">
+      <a:schemeClr val="accent1"/>
+    </dgm:linClrLst>
+    <dgm:effectClrLst/>
+    <dgm:txLinClrLst/>
+    <dgm:txFillClrLst meth="repeat">
+      <a:schemeClr val="lt1"/>
+    </dgm:txFillClrLst>
+    <dgm:txEffectClrLst/>
+  </dgm:styleLbl>
+  <dgm:styleLbl name="trBgShp">
+    <dgm:fillClrLst meth="repeat">
+      <a:schemeClr val="accent1">
+        <a:tint val="50000"/>
+        <a:alpha val="40000"/>
+      </a:schemeClr>
+    </dgm:fillClrLst>
+    <dgm:linClrLst meth="repeat">
+      <a:schemeClr val="accent1"/>
+    </dgm:linClrLst>
+    <dgm:effectClrLst/>
+    <dgm:txLinClrLst/>
+    <dgm:txFillClrLst meth="repeat">
+      <a:schemeClr val="lt1"/>
+    </dgm:txFillClrLst>
+    <dgm:txEffectClrLst/>
+  </dgm:styleLbl>
+  <dgm:styleLbl name="fgShp">
+    <dgm:fillClrLst meth="repeat">
+      <a:schemeClr val="accent1">
+        <a:tint val="60000"/>
+      </a:schemeClr>
+    </dgm:fillClrLst>
+    <dgm:linClrLst meth="repeat">
+      <a:schemeClr val="lt1"/>
+    </dgm:linClrLst>
+    <dgm:effectClrLst/>
+    <dgm:txLinClrLst/>
+    <dgm:txFillClrLst meth="repeat">
+      <a:schemeClr val="dk1"/>
+    </dgm:txFillClrLst>
+    <dgm:txEffectClrLst/>
+  </dgm:styleLbl>
+  <dgm:styleLbl name="revTx">
+    <dgm:fillClrLst meth="repeat">
+      <a:schemeClr val="lt1">
+        <a:alpha val="0"/>
+      </a:schemeClr>
+    </dgm:fillClrLst>
+    <dgm:linClrLst meth="repeat">
+      <a:schemeClr val="dk1">
+        <a:alpha val="0"/>
+      </a:schemeClr>
+    </dgm:linClrLst>
+    <dgm:effectClrLst/>
+    <dgm:txLinClrLst/>
+    <dgm:txFillClrLst meth="repeat">
+      <a:schemeClr val="tx1"/>
+    </dgm:txFillClrLst>
+    <dgm:txEffectClrLst/>
+  </dgm:styleLbl>
+</dgm:colorsDef>
+</file>
+
+<file path=ppt/diagrams/data1.xml><?xml version="1.0" encoding="utf-8"?>
+<dgm:dataModel xmlns:dgm="http://schemas.openxmlformats.org/drawingml/2006/diagram" xmlns:a="http://schemas.openxmlformats.org/drawingml/2006/main">
+  <dgm:ptLst>
+    <dgm:pt modelId="{DDA00898-7CEE-4A81-870E-504FA10EB3B2}" type="doc">
+      <dgm:prSet loTypeId="urn:microsoft.com/office/officeart/2008/layout/PictureStrips" loCatId="picture" qsTypeId="urn:microsoft.com/office/officeart/2005/8/quickstyle/simple5" qsCatId="simple" csTypeId="urn:microsoft.com/office/officeart/2005/8/colors/accent1_2" csCatId="accent1" phldr="1"/>
+      <dgm:spPr/>
+      <dgm:t>
+        <a:bodyPr/>
+        <a:lstStyle/>
+        <a:p>
+          <a:endParaRPr lang="en-US"/>
+        </a:p>
+      </dgm:t>
+    </dgm:pt>
+    <dgm:pt modelId="{C9DD416D-F87A-41FE-A47D-38B94949233A}">
+      <dgm:prSet phldrT="[Text]" custT="1"/>
+      <dgm:spPr/>
+      <dgm:t>
+        <a:bodyPr/>
+        <a:lstStyle/>
+        <a:p>
+          <a:r>
+            <a:rPr lang="en-US" sz="3200" dirty="0" smtClean="0"/>
+            <a:t>Export Function 1</a:t>
+          </a:r>
+          <a:endParaRPr lang="en-US" sz="3200" dirty="0"/>
+        </a:p>
+      </dgm:t>
+    </dgm:pt>
+    <dgm:pt modelId="{1421708C-C635-4B15-A973-D53C5D84E480}" type="parTrans" cxnId="{AAE032E8-6F81-43C4-A3D9-72BA61296638}">
+      <dgm:prSet/>
+      <dgm:spPr/>
+      <dgm:t>
+        <a:bodyPr/>
+        <a:lstStyle/>
+        <a:p>
+          <a:endParaRPr lang="en-US"/>
+        </a:p>
+      </dgm:t>
+    </dgm:pt>
+    <dgm:pt modelId="{E7E710EE-A2B5-43DE-A5E8-2D9BCCBD05CF}" type="sibTrans" cxnId="{AAE032E8-6F81-43C4-A3D9-72BA61296638}">
+      <dgm:prSet/>
+      <dgm:spPr/>
+      <dgm:t>
+        <a:bodyPr/>
+        <a:lstStyle/>
+        <a:p>
+          <a:endParaRPr lang="en-US"/>
+        </a:p>
+      </dgm:t>
+    </dgm:pt>
+    <dgm:pt modelId="{14FFD092-6D95-429F-974E-310F637FD3A0}">
+      <dgm:prSet phldrT="[Text]" custT="1"/>
+      <dgm:spPr/>
+      <dgm:t>
+        <a:bodyPr/>
+        <a:lstStyle/>
+        <a:p>
+          <a:r>
+            <a:rPr lang="en-US" sz="3200" dirty="0" smtClean="0"/>
+            <a:t>Export Function 2</a:t>
+          </a:r>
+          <a:endParaRPr lang="en-US" sz="3200" dirty="0"/>
+        </a:p>
+      </dgm:t>
+    </dgm:pt>
+    <dgm:pt modelId="{49973568-496B-4BBC-BE8F-64ADCA9574BA}" type="parTrans" cxnId="{DD6F3E46-38EE-48B0-8549-F8FC9386216D}">
+      <dgm:prSet/>
+      <dgm:spPr/>
+      <dgm:t>
+        <a:bodyPr/>
+        <a:lstStyle/>
+        <a:p>
+          <a:endParaRPr lang="en-US"/>
+        </a:p>
+      </dgm:t>
+    </dgm:pt>
+    <dgm:pt modelId="{7075D3B9-5ECD-47AB-B9A0-4D5D04B339A0}" type="sibTrans" cxnId="{DD6F3E46-38EE-48B0-8549-F8FC9386216D}">
+      <dgm:prSet/>
+      <dgm:spPr/>
+      <dgm:t>
+        <a:bodyPr/>
+        <a:lstStyle/>
+        <a:p>
+          <a:endParaRPr lang="en-US"/>
+        </a:p>
+      </dgm:t>
+    </dgm:pt>
+    <dgm:pt modelId="{7B38EDB0-D448-4C95-A317-0DB35EE15986}">
+      <dgm:prSet phldrT="[Text]" custT="1"/>
+      <dgm:spPr/>
+      <dgm:t>
+        <a:bodyPr/>
+        <a:lstStyle/>
+        <a:p>
+          <a:r>
+            <a:rPr lang="en-US" sz="3200" dirty="0" smtClean="0"/>
+            <a:t>Export Function n</a:t>
+          </a:r>
+          <a:endParaRPr lang="en-US" sz="3200" dirty="0"/>
+        </a:p>
+      </dgm:t>
+    </dgm:pt>
+    <dgm:pt modelId="{335F578A-1E4E-497D-9D66-C6835A0946AC}" type="parTrans" cxnId="{79300603-1626-4B5A-A921-CD8AAE66B28E}">
+      <dgm:prSet/>
+      <dgm:spPr/>
+      <dgm:t>
+        <a:bodyPr/>
+        <a:lstStyle/>
+        <a:p>
+          <a:endParaRPr lang="en-US"/>
+        </a:p>
+      </dgm:t>
+    </dgm:pt>
+    <dgm:pt modelId="{A6A9F1B1-B018-445D-8FCC-0CE46BCF90C9}" type="sibTrans" cxnId="{79300603-1626-4B5A-A921-CD8AAE66B28E}">
+      <dgm:prSet/>
+      <dgm:spPr/>
+      <dgm:t>
+        <a:bodyPr/>
+        <a:lstStyle/>
+        <a:p>
+          <a:endParaRPr lang="en-US"/>
+        </a:p>
+      </dgm:t>
+    </dgm:pt>
+    <dgm:pt modelId="{9E2DEBBB-B072-45EE-81F9-090AABFECCC1}" type="pres">
+      <dgm:prSet presAssocID="{DDA00898-7CEE-4A81-870E-504FA10EB3B2}" presName="Name0" presStyleCnt="0">
+        <dgm:presLayoutVars>
+          <dgm:dir/>
+          <dgm:resizeHandles val="exact"/>
+        </dgm:presLayoutVars>
+      </dgm:prSet>
+      <dgm:spPr/>
+    </dgm:pt>
+    <dgm:pt modelId="{B0F7D13F-C623-4E6E-BF21-16DDD84E4FC0}" type="pres">
+      <dgm:prSet presAssocID="{C9DD416D-F87A-41FE-A47D-38B94949233A}" presName="composite" presStyleCnt="0"/>
+      <dgm:spPr/>
+    </dgm:pt>
+    <dgm:pt modelId="{ABA1348E-A358-459B-B0EA-54B6C75C2195}" type="pres">
+      <dgm:prSet presAssocID="{C9DD416D-F87A-41FE-A47D-38B94949233A}" presName="rect1" presStyleLbl="trAlignAcc1" presStyleIdx="0" presStyleCnt="3">
+        <dgm:presLayoutVars>
+          <dgm:bulletEnabled val="1"/>
+        </dgm:presLayoutVars>
+      </dgm:prSet>
+      <dgm:spPr/>
+    </dgm:pt>
+    <dgm:pt modelId="{E33AF695-3F5F-4580-B0C3-725C2B113A2A}" type="pres">
+      <dgm:prSet presAssocID="{C9DD416D-F87A-41FE-A47D-38B94949233A}" presName="rect2" presStyleLbl="fgImgPlace1" presStyleIdx="0" presStyleCnt="3"/>
+      <dgm:spPr/>
+    </dgm:pt>
+    <dgm:pt modelId="{FB8084B2-A96D-47B3-B881-F7E7B5AB03EF}" type="pres">
+      <dgm:prSet presAssocID="{E7E710EE-A2B5-43DE-A5E8-2D9BCCBD05CF}" presName="sibTrans" presStyleCnt="0"/>
+      <dgm:spPr/>
+    </dgm:pt>
+    <dgm:pt modelId="{4B8481C3-B5C2-45D2-92CA-DD4CAB51281C}" type="pres">
+      <dgm:prSet presAssocID="{14FFD092-6D95-429F-974E-310F637FD3A0}" presName="composite" presStyleCnt="0"/>
+      <dgm:spPr/>
+    </dgm:pt>
+    <dgm:pt modelId="{B1DAD3DA-4EE7-4C20-989E-990164BC1531}" type="pres">
+      <dgm:prSet presAssocID="{14FFD092-6D95-429F-974E-310F637FD3A0}" presName="rect1" presStyleLbl="trAlignAcc1" presStyleIdx="1" presStyleCnt="3">
+        <dgm:presLayoutVars>
+          <dgm:bulletEnabled val="1"/>
+        </dgm:presLayoutVars>
+      </dgm:prSet>
+      <dgm:spPr/>
+    </dgm:pt>
+    <dgm:pt modelId="{3E2398C7-8DE5-431E-AE89-E8561499B7B8}" type="pres">
+      <dgm:prSet presAssocID="{14FFD092-6D95-429F-974E-310F637FD3A0}" presName="rect2" presStyleLbl="fgImgPlace1" presStyleIdx="1" presStyleCnt="3"/>
+      <dgm:spPr/>
+    </dgm:pt>
+    <dgm:pt modelId="{62C883B0-2671-4E56-B036-CC00EA6EE396}" type="pres">
+      <dgm:prSet presAssocID="{7075D3B9-5ECD-47AB-B9A0-4D5D04B339A0}" presName="sibTrans" presStyleCnt="0"/>
+      <dgm:spPr/>
+    </dgm:pt>
+    <dgm:pt modelId="{58329E3D-9B9D-49F8-A849-E9AF6D9EE95E}" type="pres">
+      <dgm:prSet presAssocID="{7B38EDB0-D448-4C95-A317-0DB35EE15986}" presName="composite" presStyleCnt="0"/>
+      <dgm:spPr/>
+    </dgm:pt>
+    <dgm:pt modelId="{A97FBF49-499F-4F43-864B-763E7FFCAABA}" type="pres">
+      <dgm:prSet presAssocID="{7B38EDB0-D448-4C95-A317-0DB35EE15986}" presName="rect1" presStyleLbl="trAlignAcc1" presStyleIdx="2" presStyleCnt="3">
+        <dgm:presLayoutVars>
+          <dgm:bulletEnabled val="1"/>
+        </dgm:presLayoutVars>
+      </dgm:prSet>
+      <dgm:spPr/>
+    </dgm:pt>
+    <dgm:pt modelId="{8A9761B7-4A73-4D3E-A78C-9DDE6E566329}" type="pres">
+      <dgm:prSet presAssocID="{7B38EDB0-D448-4C95-A317-0DB35EE15986}" presName="rect2" presStyleLbl="fgImgPlace1" presStyleIdx="2" presStyleCnt="3"/>
+      <dgm:spPr/>
+    </dgm:pt>
+  </dgm:ptLst>
+  <dgm:cxnLst>
+    <dgm:cxn modelId="{C0F149A6-532B-4752-BD6A-8FC39E352562}" type="presOf" srcId="{14FFD092-6D95-429F-974E-310F637FD3A0}" destId="{B1DAD3DA-4EE7-4C20-989E-990164BC1531}" srcOrd="0" destOrd="0" presId="urn:microsoft.com/office/officeart/2008/layout/PictureStrips"/>
+    <dgm:cxn modelId="{ABEA418E-B8A3-41EA-A11A-FC7BA279F60E}" type="presOf" srcId="{7B38EDB0-D448-4C95-A317-0DB35EE15986}" destId="{A97FBF49-499F-4F43-864B-763E7FFCAABA}" srcOrd="0" destOrd="0" presId="urn:microsoft.com/office/officeart/2008/layout/PictureStrips"/>
+    <dgm:cxn modelId="{A88A6612-25BA-4470-9ECD-C7E530CE7856}" type="presOf" srcId="{C9DD416D-F87A-41FE-A47D-38B94949233A}" destId="{ABA1348E-A358-459B-B0EA-54B6C75C2195}" srcOrd="0" destOrd="0" presId="urn:microsoft.com/office/officeart/2008/layout/PictureStrips"/>
+    <dgm:cxn modelId="{AAE032E8-6F81-43C4-A3D9-72BA61296638}" srcId="{DDA00898-7CEE-4A81-870E-504FA10EB3B2}" destId="{C9DD416D-F87A-41FE-A47D-38B94949233A}" srcOrd="0" destOrd="0" parTransId="{1421708C-C635-4B15-A973-D53C5D84E480}" sibTransId="{E7E710EE-A2B5-43DE-A5E8-2D9BCCBD05CF}"/>
+    <dgm:cxn modelId="{89AD6FB8-812C-4761-B0A7-8D44D4B4FDE7}" type="presOf" srcId="{DDA00898-7CEE-4A81-870E-504FA10EB3B2}" destId="{9E2DEBBB-B072-45EE-81F9-090AABFECCC1}" srcOrd="0" destOrd="0" presId="urn:microsoft.com/office/officeart/2008/layout/PictureStrips"/>
+    <dgm:cxn modelId="{79300603-1626-4B5A-A921-CD8AAE66B28E}" srcId="{DDA00898-7CEE-4A81-870E-504FA10EB3B2}" destId="{7B38EDB0-D448-4C95-A317-0DB35EE15986}" srcOrd="2" destOrd="0" parTransId="{335F578A-1E4E-497D-9D66-C6835A0946AC}" sibTransId="{A6A9F1B1-B018-445D-8FCC-0CE46BCF90C9}"/>
+    <dgm:cxn modelId="{DD6F3E46-38EE-48B0-8549-F8FC9386216D}" srcId="{DDA00898-7CEE-4A81-870E-504FA10EB3B2}" destId="{14FFD092-6D95-429F-974E-310F637FD3A0}" srcOrd="1" destOrd="0" parTransId="{49973568-496B-4BBC-BE8F-64ADCA9574BA}" sibTransId="{7075D3B9-5ECD-47AB-B9A0-4D5D04B339A0}"/>
+    <dgm:cxn modelId="{AFAFD2B5-FAE3-4AF0-A93E-7636607E06A6}" type="presParOf" srcId="{9E2DEBBB-B072-45EE-81F9-090AABFECCC1}" destId="{B0F7D13F-C623-4E6E-BF21-16DDD84E4FC0}" srcOrd="0" destOrd="0" presId="urn:microsoft.com/office/officeart/2008/layout/PictureStrips"/>
+    <dgm:cxn modelId="{D2B52411-F99C-40F3-80B5-50B8ED6C413E}" type="presParOf" srcId="{B0F7D13F-C623-4E6E-BF21-16DDD84E4FC0}" destId="{ABA1348E-A358-459B-B0EA-54B6C75C2195}" srcOrd="0" destOrd="0" presId="urn:microsoft.com/office/officeart/2008/layout/PictureStrips"/>
+    <dgm:cxn modelId="{0BB90A74-DA0F-4C5B-A8CB-96E0AAAE81A5}" type="presParOf" srcId="{B0F7D13F-C623-4E6E-BF21-16DDD84E4FC0}" destId="{E33AF695-3F5F-4580-B0C3-725C2B113A2A}" srcOrd="1" destOrd="0" presId="urn:microsoft.com/office/officeart/2008/layout/PictureStrips"/>
+    <dgm:cxn modelId="{67AD896F-47B8-4246-A9A9-D4BCEB61E2F2}" type="presParOf" srcId="{9E2DEBBB-B072-45EE-81F9-090AABFECCC1}" destId="{FB8084B2-A96D-47B3-B881-F7E7B5AB03EF}" srcOrd="1" destOrd="0" presId="urn:microsoft.com/office/officeart/2008/layout/PictureStrips"/>
+    <dgm:cxn modelId="{362B6080-04F5-4672-85E6-77D6D1E20087}" type="presParOf" srcId="{9E2DEBBB-B072-45EE-81F9-090AABFECCC1}" destId="{4B8481C3-B5C2-45D2-92CA-DD4CAB51281C}" srcOrd="2" destOrd="0" presId="urn:microsoft.com/office/officeart/2008/layout/PictureStrips"/>
+    <dgm:cxn modelId="{09691ECF-D3E5-4DA4-A56F-E68514A8F365}" type="presParOf" srcId="{4B8481C3-B5C2-45D2-92CA-DD4CAB51281C}" destId="{B1DAD3DA-4EE7-4C20-989E-990164BC1531}" srcOrd="0" destOrd="0" presId="urn:microsoft.com/office/officeart/2008/layout/PictureStrips"/>
+    <dgm:cxn modelId="{88C679E7-D424-42DD-BB7D-FB80B28A6C13}" type="presParOf" srcId="{4B8481C3-B5C2-45D2-92CA-DD4CAB51281C}" destId="{3E2398C7-8DE5-431E-AE89-E8561499B7B8}" srcOrd="1" destOrd="0" presId="urn:microsoft.com/office/officeart/2008/layout/PictureStrips"/>
+    <dgm:cxn modelId="{13B8C2D8-1790-4E51-A476-A025C3BFEFB6}" type="presParOf" srcId="{9E2DEBBB-B072-45EE-81F9-090AABFECCC1}" destId="{62C883B0-2671-4E56-B036-CC00EA6EE396}" srcOrd="3" destOrd="0" presId="urn:microsoft.com/office/officeart/2008/layout/PictureStrips"/>
+    <dgm:cxn modelId="{DF8F8495-F223-469D-A883-84C1177472E8}" type="presParOf" srcId="{9E2DEBBB-B072-45EE-81F9-090AABFECCC1}" destId="{58329E3D-9B9D-49F8-A849-E9AF6D9EE95E}" srcOrd="4" destOrd="0" presId="urn:microsoft.com/office/officeart/2008/layout/PictureStrips"/>
+    <dgm:cxn modelId="{EEBDCD2B-95A1-4CA9-8415-20B174AD1E94}" type="presParOf" srcId="{58329E3D-9B9D-49F8-A849-E9AF6D9EE95E}" destId="{A97FBF49-499F-4F43-864B-763E7FFCAABA}" srcOrd="0" destOrd="0" presId="urn:microsoft.com/office/officeart/2008/layout/PictureStrips"/>
+    <dgm:cxn modelId="{D5850137-B2B2-42AD-B7FA-FC9B9B3D4CC5}" type="presParOf" srcId="{58329E3D-9B9D-49F8-A849-E9AF6D9EE95E}" destId="{8A9761B7-4A73-4D3E-A78C-9DDE6E566329}" srcOrd="1" destOrd="0" presId="urn:microsoft.com/office/officeart/2008/layout/PictureStrips"/>
+  </dgm:cxnLst>
+  <dgm:bg/>
+  <dgm:whole/>
+  <dgm:extLst>
+    <a:ext uri="http://schemas.microsoft.com/office/drawing/2008/diagram">
+      <dsp:dataModelExt xmlns:dsp="http://schemas.microsoft.com/office/drawing/2008/diagram" relId="rId6" minVer="http://schemas.openxmlformats.org/drawingml/2006/diagram"/>
+    </a:ext>
+  </dgm:extLst>
+</dgm:dataModel>
+</file>
+
+<file path=ppt/diagrams/drawing1.xml><?xml version="1.0" encoding="utf-8"?>
+<dsp:drawing xmlns:dgm="http://schemas.openxmlformats.org/drawingml/2006/diagram" xmlns:dsp="http://schemas.microsoft.com/office/drawing/2008/diagram" xmlns:a="http://schemas.openxmlformats.org/drawingml/2006/main">
+  <dsp:spTree>
+    <dsp:nvGrpSpPr>
+      <dsp:cNvPr id="0" name=""/>
+      <dsp:cNvGrpSpPr/>
+    </dsp:nvGrpSpPr>
+    <dsp:grpSpPr/>
+    <dsp:sp modelId="{ABA1348E-A358-459B-B0EA-54B6C75C2195}">
+      <dsp:nvSpPr>
+        <dsp:cNvPr id="0" name=""/>
+        <dsp:cNvSpPr/>
+      </dsp:nvSpPr>
+      <dsp:spPr>
+        <a:xfrm>
+          <a:off x="1154255" y="364748"/>
+          <a:ext cx="3899153" cy="1218485"/>
+        </a:xfrm>
+        <a:prstGeom prst="rect">
+          <a:avLst/>
+        </a:prstGeom>
+        <a:solidFill>
+          <a:schemeClr val="lt1">
+            <a:alpha val="40000"/>
+            <a:hueOff val="0"/>
+            <a:satOff val="0"/>
+            <a:lumOff val="0"/>
+            <a:alphaOff val="0"/>
+          </a:schemeClr>
+        </a:solidFill>
+        <a:ln w="6350" cap="flat" cmpd="sng" algn="ctr">
+          <a:solidFill>
+            <a:schemeClr val="accent1">
+              <a:hueOff val="0"/>
+              <a:satOff val="0"/>
+              <a:lumOff val="0"/>
+              <a:alphaOff val="0"/>
+            </a:schemeClr>
+          </a:solidFill>
+          <a:prstDash val="solid"/>
+          <a:miter lim="800000"/>
+        </a:ln>
+        <a:effectLst/>
+      </dsp:spPr>
+      <dsp:style>
+        <a:lnRef idx="1">
+          <a:scrgbClr r="0" g="0" b="0"/>
+        </a:lnRef>
+        <a:fillRef idx="1">
+          <a:scrgbClr r="0" g="0" b="0"/>
+        </a:fillRef>
+        <a:effectRef idx="0">
+          <a:scrgbClr r="0" g="0" b="0"/>
+        </a:effectRef>
+        <a:fontRef idx="minor"/>
+      </dsp:style>
+      <dsp:txBody>
+        <a:bodyPr spcFirstLastPara="0" vert="horz" wrap="square" lIns="825321" tIns="121920" rIns="121920" bIns="121920" numCol="1" spcCol="1270" anchor="ctr" anchorCtr="0">
+          <a:noAutofit/>
+        </a:bodyPr>
+        <a:lstStyle/>
+        <a:p>
+          <a:pPr lvl="0" algn="l" defTabSz="1422400">
+            <a:lnSpc>
+              <a:spcPct val="90000"/>
+            </a:lnSpc>
+            <a:spcBef>
+              <a:spcPct val="0"/>
+            </a:spcBef>
+            <a:spcAft>
+              <a:spcPct val="35000"/>
+            </a:spcAft>
+          </a:pPr>
+          <a:r>
+            <a:rPr lang="en-US" sz="3200" kern="1200" dirty="0" smtClean="0"/>
+            <a:t>Export Function 1</a:t>
+          </a:r>
+          <a:endParaRPr lang="en-US" sz="3200" kern="1200" dirty="0"/>
+        </a:p>
+      </dsp:txBody>
+      <dsp:txXfrm>
+        <a:off x="1154255" y="364748"/>
+        <a:ext cx="3899153" cy="1218485"/>
+      </dsp:txXfrm>
+    </dsp:sp>
+    <dsp:sp modelId="{E33AF695-3F5F-4580-B0C3-725C2B113A2A}">
+      <dsp:nvSpPr>
+        <dsp:cNvPr id="0" name=""/>
+        <dsp:cNvSpPr/>
+      </dsp:nvSpPr>
+      <dsp:spPr>
+        <a:xfrm>
+          <a:off x="991790" y="188745"/>
+          <a:ext cx="852939" cy="1279409"/>
+        </a:xfrm>
+        <a:prstGeom prst="rect">
+          <a:avLst/>
+        </a:prstGeom>
+        <a:solidFill>
+          <a:schemeClr val="accent1">
+            <a:tint val="50000"/>
+            <a:hueOff val="0"/>
+            <a:satOff val="0"/>
+            <a:lumOff val="0"/>
+            <a:alphaOff val="0"/>
+          </a:schemeClr>
+        </a:solidFill>
+        <a:ln>
+          <a:noFill/>
+        </a:ln>
+        <a:effectLst>
+          <a:outerShdw blurRad="57150" dist="19050" dir="5400000" algn="ctr" rotWithShape="0">
+            <a:srgbClr val="000000">
+              <a:alpha val="63000"/>
+            </a:srgbClr>
+          </a:outerShdw>
+        </a:effectLst>
+      </dsp:spPr>
+      <dsp:style>
+        <a:lnRef idx="0">
+          <a:scrgbClr r="0" g="0" b="0"/>
+        </a:lnRef>
+        <a:fillRef idx="1">
+          <a:scrgbClr r="0" g="0" b="0"/>
+        </a:fillRef>
+        <a:effectRef idx="3">
+          <a:scrgbClr r="0" g="0" b="0"/>
+        </a:effectRef>
+        <a:fontRef idx="minor"/>
+      </dsp:style>
+    </dsp:sp>
+    <dsp:sp modelId="{B1DAD3DA-4EE7-4C20-989E-990164BC1531}">
+      <dsp:nvSpPr>
+        <dsp:cNvPr id="0" name=""/>
+        <dsp:cNvSpPr/>
+      </dsp:nvSpPr>
+      <dsp:spPr>
+        <a:xfrm>
+          <a:off x="1154255" y="1898686"/>
+          <a:ext cx="3899153" cy="1218485"/>
+        </a:xfrm>
+        <a:prstGeom prst="rect">
+          <a:avLst/>
+        </a:prstGeom>
+        <a:solidFill>
+          <a:schemeClr val="lt1">
+            <a:alpha val="40000"/>
+            <a:hueOff val="0"/>
+            <a:satOff val="0"/>
+            <a:lumOff val="0"/>
+            <a:alphaOff val="0"/>
+          </a:schemeClr>
+        </a:solidFill>
+        <a:ln w="6350" cap="flat" cmpd="sng" algn="ctr">
+          <a:solidFill>
+            <a:schemeClr val="accent1">
+              <a:hueOff val="0"/>
+              <a:satOff val="0"/>
+              <a:lumOff val="0"/>
+              <a:alphaOff val="0"/>
+            </a:schemeClr>
+          </a:solidFill>
+          <a:prstDash val="solid"/>
+          <a:miter lim="800000"/>
+        </a:ln>
+        <a:effectLst/>
+      </dsp:spPr>
+      <dsp:style>
+        <a:lnRef idx="1">
+          <a:scrgbClr r="0" g="0" b="0"/>
+        </a:lnRef>
+        <a:fillRef idx="1">
+          <a:scrgbClr r="0" g="0" b="0"/>
+        </a:fillRef>
+        <a:effectRef idx="0">
+          <a:scrgbClr r="0" g="0" b="0"/>
+        </a:effectRef>
+        <a:fontRef idx="minor"/>
+      </dsp:style>
+      <dsp:txBody>
+        <a:bodyPr spcFirstLastPara="0" vert="horz" wrap="square" lIns="825321" tIns="121920" rIns="121920" bIns="121920" numCol="1" spcCol="1270" anchor="ctr" anchorCtr="0">
+          <a:noAutofit/>
+        </a:bodyPr>
+        <a:lstStyle/>
+        <a:p>
+          <a:pPr lvl="0" algn="l" defTabSz="1422400">
+            <a:lnSpc>
+              <a:spcPct val="90000"/>
+            </a:lnSpc>
+            <a:spcBef>
+              <a:spcPct val="0"/>
+            </a:spcBef>
+            <a:spcAft>
+              <a:spcPct val="35000"/>
+            </a:spcAft>
+          </a:pPr>
+          <a:r>
+            <a:rPr lang="en-US" sz="3200" kern="1200" dirty="0" smtClean="0"/>
+            <a:t>Export Function 2</a:t>
+          </a:r>
+          <a:endParaRPr lang="en-US" sz="3200" kern="1200" dirty="0"/>
+        </a:p>
+      </dsp:txBody>
+      <dsp:txXfrm>
+        <a:off x="1154255" y="1898686"/>
+        <a:ext cx="3899153" cy="1218485"/>
+      </dsp:txXfrm>
+    </dsp:sp>
+    <dsp:sp modelId="{3E2398C7-8DE5-431E-AE89-E8561499B7B8}">
+      <dsp:nvSpPr>
+        <dsp:cNvPr id="0" name=""/>
+        <dsp:cNvSpPr/>
+      </dsp:nvSpPr>
+      <dsp:spPr>
+        <a:xfrm>
+          <a:off x="991790" y="1722683"/>
+          <a:ext cx="852939" cy="1279409"/>
+        </a:xfrm>
+        <a:prstGeom prst="rect">
+          <a:avLst/>
+        </a:prstGeom>
+        <a:solidFill>
+          <a:schemeClr val="accent1">
+            <a:tint val="50000"/>
+            <a:hueOff val="0"/>
+            <a:satOff val="0"/>
+            <a:lumOff val="0"/>
+            <a:alphaOff val="0"/>
+          </a:schemeClr>
+        </a:solidFill>
+        <a:ln>
+          <a:noFill/>
+        </a:ln>
+        <a:effectLst>
+          <a:outerShdw blurRad="57150" dist="19050" dir="5400000" algn="ctr" rotWithShape="0">
+            <a:srgbClr val="000000">
+              <a:alpha val="63000"/>
+            </a:srgbClr>
+          </a:outerShdw>
+        </a:effectLst>
+      </dsp:spPr>
+      <dsp:style>
+        <a:lnRef idx="0">
+          <a:scrgbClr r="0" g="0" b="0"/>
+        </a:lnRef>
+        <a:fillRef idx="1">
+          <a:scrgbClr r="0" g="0" b="0"/>
+        </a:fillRef>
+        <a:effectRef idx="3">
+          <a:scrgbClr r="0" g="0" b="0"/>
+        </a:effectRef>
+        <a:fontRef idx="minor"/>
+      </dsp:style>
+    </dsp:sp>
+    <dsp:sp modelId="{A97FBF49-499F-4F43-864B-763E7FFCAABA}">
+      <dsp:nvSpPr>
+        <dsp:cNvPr id="0" name=""/>
+        <dsp:cNvSpPr/>
+      </dsp:nvSpPr>
+      <dsp:spPr>
+        <a:xfrm>
+          <a:off x="1154255" y="3432624"/>
+          <a:ext cx="3899153" cy="1218485"/>
+        </a:xfrm>
+        <a:prstGeom prst="rect">
+          <a:avLst/>
+        </a:prstGeom>
+        <a:solidFill>
+          <a:schemeClr val="lt1">
+            <a:alpha val="40000"/>
+            <a:hueOff val="0"/>
+            <a:satOff val="0"/>
+            <a:lumOff val="0"/>
+            <a:alphaOff val="0"/>
+          </a:schemeClr>
+        </a:solidFill>
+        <a:ln w="6350" cap="flat" cmpd="sng" algn="ctr">
+          <a:solidFill>
+            <a:schemeClr val="accent1">
+              <a:hueOff val="0"/>
+              <a:satOff val="0"/>
+              <a:lumOff val="0"/>
+              <a:alphaOff val="0"/>
+            </a:schemeClr>
+          </a:solidFill>
+          <a:prstDash val="solid"/>
+          <a:miter lim="800000"/>
+        </a:ln>
+        <a:effectLst/>
+      </dsp:spPr>
+      <dsp:style>
+        <a:lnRef idx="1">
+          <a:scrgbClr r="0" g="0" b="0"/>
+        </a:lnRef>
+        <a:fillRef idx="1">
+          <a:scrgbClr r="0" g="0" b="0"/>
+        </a:fillRef>
+        <a:effectRef idx="0">
+          <a:scrgbClr r="0" g="0" b="0"/>
+        </a:effectRef>
+        <a:fontRef idx="minor"/>
+      </dsp:style>
+      <dsp:txBody>
+        <a:bodyPr spcFirstLastPara="0" vert="horz" wrap="square" lIns="825321" tIns="121920" rIns="121920" bIns="121920" numCol="1" spcCol="1270" anchor="ctr" anchorCtr="0">
+          <a:noAutofit/>
+        </a:bodyPr>
+        <a:lstStyle/>
+        <a:p>
+          <a:pPr lvl="0" algn="l" defTabSz="1422400">
+            <a:lnSpc>
+              <a:spcPct val="90000"/>
+            </a:lnSpc>
+            <a:spcBef>
+              <a:spcPct val="0"/>
+            </a:spcBef>
+            <a:spcAft>
+              <a:spcPct val="35000"/>
+            </a:spcAft>
+          </a:pPr>
+          <a:r>
+            <a:rPr lang="en-US" sz="3200" kern="1200" dirty="0" smtClean="0"/>
+            <a:t>Export Function n</a:t>
+          </a:r>
+          <a:endParaRPr lang="en-US" sz="3200" kern="1200" dirty="0"/>
+        </a:p>
+      </dsp:txBody>
+      <dsp:txXfrm>
+        <a:off x="1154255" y="3432624"/>
+        <a:ext cx="3899153" cy="1218485"/>
+      </dsp:txXfrm>
+    </dsp:sp>
+    <dsp:sp modelId="{8A9761B7-4A73-4D3E-A78C-9DDE6E566329}">
+      <dsp:nvSpPr>
+        <dsp:cNvPr id="0" name=""/>
+        <dsp:cNvSpPr/>
+      </dsp:nvSpPr>
+      <dsp:spPr>
+        <a:xfrm>
+          <a:off x="991790" y="3256620"/>
+          <a:ext cx="852939" cy="1279409"/>
+        </a:xfrm>
+        <a:prstGeom prst="rect">
+          <a:avLst/>
+        </a:prstGeom>
+        <a:solidFill>
+          <a:schemeClr val="accent1">
+            <a:tint val="50000"/>
+            <a:hueOff val="0"/>
+            <a:satOff val="0"/>
+            <a:lumOff val="0"/>
+            <a:alphaOff val="0"/>
+          </a:schemeClr>
+        </a:solidFill>
+        <a:ln>
+          <a:noFill/>
+        </a:ln>
+        <a:effectLst>
+          <a:outerShdw blurRad="57150" dist="19050" dir="5400000" algn="ctr" rotWithShape="0">
+            <a:srgbClr val="000000">
+              <a:alpha val="63000"/>
+            </a:srgbClr>
+          </a:outerShdw>
+        </a:effectLst>
+      </dsp:spPr>
+      <dsp:style>
+        <a:lnRef idx="0">
+          <a:scrgbClr r="0" g="0" b="0"/>
+        </a:lnRef>
+        <a:fillRef idx="1">
+          <a:scrgbClr r="0" g="0" b="0"/>
+        </a:fillRef>
+        <a:effectRef idx="3">
+          <a:scrgbClr r="0" g="0" b="0"/>
+        </a:effectRef>
+        <a:fontRef idx="minor"/>
+      </dsp:style>
+    </dsp:sp>
+  </dsp:spTree>
+</dsp:drawing>
+</file>
+
+<file path=ppt/diagrams/layout1.xml><?xml version="1.0" encoding="utf-8"?>
+<dgm:layoutDef xmlns:dgm="http://schemas.openxmlformats.org/drawingml/2006/diagram" xmlns:a="http://schemas.openxmlformats.org/drawingml/2006/main" uniqueId="urn:microsoft.com/office/officeart/2008/layout/PictureStrips">
+  <dgm:title val=""/>
+  <dgm:desc val=""/>
+  <dgm:catLst>
+    <dgm:cat type="list" pri="12500"/>
+    <dgm:cat type="picture" pri="13000"/>
+    <dgm:cat type="pictureconvert" pri="13000"/>
+  </dgm:catLst>
+  <dgm:sampData>
+    <dgm:dataModel>
+      <dgm:ptLst>
+        <dgm:pt modelId="0" type="doc"/>
+        <dgm:pt modelId="10">
+          <dgm:prSet phldr="1"/>
+        </dgm:pt>
+        <dgm:pt modelId="20">
+          <dgm:prSet phldr="1"/>
+        </dgm:pt>
+        <dgm:pt modelId="30">
+          <dgm:prSet phldr="1"/>
+        </dgm:pt>
+      </dgm:ptLst>
+      <dgm:cxnLst>
+        <dgm:cxn modelId="40" srcId="0" destId="10" srcOrd="0" destOrd="0"/>
+        <dgm:cxn modelId="50" srcId="0" destId="20" srcOrd="1" destOrd="0"/>
+        <dgm:cxn modelId="60" srcId="0" destId="30" srcOrd="2" destOrd="0"/>
+      </dgm:cxnLst>
+      <dgm:bg/>
+      <dgm:whole/>
+    </dgm:dataModel>
+  </dgm:sampData>
+  <dgm:styleData>
+    <dgm:dataModel>
+      <dgm:ptLst>
+        <dgm:pt modelId="0" type="doc"/>
+        <dgm:pt modelId="10">
+          <dgm:prSet phldr="1"/>
+        </dgm:pt>
+        <dgm:pt modelId="20">
+          <dgm:prSet phldr="1"/>
+        </dgm:pt>
+      </dgm:ptLst>
+      <dgm:cxnLst>
+        <dgm:cxn modelId="40" srcId="0" destId="10" srcOrd="0" destOrd="0"/>
+        <dgm:cxn modelId="50" srcId="0" destId="20" srcOrd="1" destOrd="0"/>
+      </dgm:cxnLst>
+      <dgm:bg/>
+      <dgm:whole/>
+    </dgm:dataModel>
+  </dgm:styleData>
+  <dgm:clrData>
+    <dgm:dataModel>
+      <dgm:ptLst>
+        <dgm:pt modelId="0" type="doc"/>
+        <dgm:pt modelId="10">
+          <dgm:prSet phldr="1"/>
+        </dgm:pt>
+        <dgm:pt modelId="20">
+          <dgm:prSet phldr="1"/>
+        </dgm:pt>
+        <dgm:pt modelId="30">
+          <dgm:prSet phldr="1"/>
+        </dgm:pt>
+        <dgm:pt modelId="40">
+          <dgm:prSet phldr="1"/>
+        </dgm:pt>
+      </dgm:ptLst>
+      <dgm:cxnLst>
+        <dgm:cxn modelId="40" srcId="0" destId="10" srcOrd="0" destOrd="0"/>
+        <dgm:cxn modelId="50" srcId="0" destId="20" srcOrd="1" destOrd="0"/>
+        <dgm:cxn modelId="60" srcId="0" destId="30" srcOrd="2" destOrd="0"/>
+        <dgm:cxn modelId="70" srcId="0" destId="40" srcOrd="2" destOrd="0"/>
+      </dgm:cxnLst>
+      <dgm:bg/>
+      <dgm:whole/>
+    </dgm:dataModel>
+  </dgm:clrData>
+  <dgm:layoutNode name="Name0">
+    <dgm:varLst>
+      <dgm:dir/>
+      <dgm:resizeHandles val="exact"/>
+    </dgm:varLst>
+    <dgm:choose name="Name1">
+      <dgm:if name="Name2" func="var" arg="dir" op="equ" val="norm">
+        <dgm:alg type="snake">
+          <dgm:param type="off" val="ctr"/>
+        </dgm:alg>
+      </dgm:if>
+      <dgm:else name="Name3">
+        <dgm:alg type="snake">
+          <dgm:param type="off" val="ctr"/>
+          <dgm:param type="grDir" val="tR"/>
+        </dgm:alg>
+      </dgm:else>
+    </dgm:choose>
+    <dgm:shape xmlns:r="http://schemas.openxmlformats.org/officeDocument/2006/relationships" r:blip="">
+      <dgm:adjLst/>
+    </dgm:shape>
+    <dgm:constrLst>
+      <dgm:constr type="primFontSz" for="des" ptType="node" op="equ" val="65"/>
+      <dgm:constr type="w" for="ch" forName="composite" refType="w"/>
+      <dgm:constr type="h" for="ch" forName="composite" refType="h"/>
+      <dgm:constr type="sp" refType="h" refFor="ch" refForName="composite" op="equ" fact="0.1"/>
+      <dgm:constr type="h" for="ch" forName="sibTrans" refType="h" refFor="ch" refForName="composite" op="equ" fact="0.1"/>
+      <dgm:constr type="w" for="ch" forName="sibTrans" refType="h" refFor="ch" refForName="sibTrans" op="equ"/>
+    </dgm:constrLst>
+    <dgm:forEach name="nodesForEach" axis="ch" ptType="node">
+      <dgm:layoutNode name="composite">
+        <dgm:alg type="composite">
+          <dgm:param type="ar" val="3"/>
+        </dgm:alg>
+        <dgm:shape xmlns:r="http://schemas.openxmlformats.org/officeDocument/2006/relationships" r:blip="">
+          <dgm:adjLst/>
+        </dgm:shape>
+        <dgm:choose name="Name4">
+          <dgm:if name="Name5" func="var" arg="dir" op="equ" val="norm">
+            <dgm:constrLst>
+              <dgm:constr type="l" for="ch" forName="rect1" refType="w" fact="0.04"/>
+              <dgm:constr type="t" for="ch" forName="rect1" refType="h" fact="0.13"/>
+              <dgm:constr type="w" for="ch" forName="rect1" refType="w" fact="0.96"/>
+              <dgm:constr type="h" for="ch" forName="rect1" refType="h" fact="0.9"/>
+              <dgm:constr type="l" for="ch" forName="rect2" refType="w" fact="0"/>
+              <dgm:constr type="t" for="ch" forName="rect2" refType="h" fact="0"/>
+              <dgm:constr type="w" for="ch" forName="rect2" refType="w" fact="0.21"/>
+              <dgm:constr type="h" for="ch" forName="rect2" refType="w" fact="0.315"/>
+            </dgm:constrLst>
+          </dgm:if>
+          <dgm:else name="Name6">
+            <dgm:constrLst>
+              <dgm:constr type="l" for="ch" forName="rect1" refType="w" fact="0"/>
+              <dgm:constr type="t" for="ch" forName="rect1" refType="h" fact="0.13"/>
+              <dgm:constr type="w" for="ch" forName="rect1" refType="w" fact="0.96"/>
+              <dgm:constr type="h" for="ch" forName="rect1" refType="h" fact="0.9"/>
+              <dgm:constr type="l" for="ch" forName="rect2" refType="w" fact="0.79"/>
+              <dgm:constr type="t" for="ch" forName="rect2" refType="h" fact="0"/>
+              <dgm:constr type="w" for="ch" forName="rect2" refType="w" fact="0.21"/>
+              <dgm:constr type="h" for="ch" forName="rect2" refType="w" fact="0.315"/>
+            </dgm:constrLst>
+          </dgm:else>
+        </dgm:choose>
+        <dgm:layoutNode name="rect1" styleLbl="trAlignAcc1">
+          <dgm:varLst>
+            <dgm:bulletEnabled val="1"/>
+          </dgm:varLst>
+          <dgm:alg type="tx">
+            <dgm:param type="parTxLTRAlign" val="l"/>
+          </dgm:alg>
+          <dgm:shape xmlns:r="http://schemas.openxmlformats.org/officeDocument/2006/relationships" type="rect" r:blip="">
+            <dgm:adjLst/>
+          </dgm:shape>
+          <dgm:presOf axis="desOrSelf" ptType="node"/>
+          <dgm:choose name="Name7">
+            <dgm:if name="Name8" func="var" arg="dir" op="equ" val="norm">
+              <dgm:constrLst>
+                <dgm:constr type="lMarg" refType="w" fact="0.6"/>
+                <dgm:constr type="rMarg" refType="primFontSz" fact="0.3"/>
+                <dgm:constr type="tMarg" refType="primFontSz" fact="0.3"/>
+                <dgm:constr type="bMarg" refType="primFontSz" fact="0.3"/>
+              </dgm:constrLst>
+            </dgm:if>
+            <dgm:else name="Name9">
+              <dgm:constrLst>
+                <dgm:constr type="lMarg" refType="primFontSz" fact="0.3"/>
+                <dgm:constr type="rMarg" refType="w" fact="0.6"/>
+                <dgm:constr type="tMarg" refType="primFontSz" fact="0.3"/>
+                <dgm:constr type="bMarg" refType="primFontSz" fact="0.3"/>
+              </dgm:constrLst>
+            </dgm:else>
+          </dgm:choose>
+          <dgm:ruleLst>
+            <dgm:rule type="primFontSz" val="5" fact="NaN" max="NaN"/>
+          </dgm:ruleLst>
+        </dgm:layoutNode>
+        <dgm:layoutNode name="rect2" styleLbl="fgImgPlace1">
+          <dgm:alg type="sp"/>
+          <dgm:shape xmlns:r="http://schemas.openxmlformats.org/officeDocument/2006/relationships" type="rect" r:blip="" blipPhldr="1">
+            <dgm:adjLst/>
+          </dgm:shape>
+          <dgm:presOf/>
+        </dgm:layoutNode>
+      </dgm:layoutNode>
+      <dgm:forEach name="sibTransForEach" axis="followSib" ptType="sibTrans" cnt="1">
+        <dgm:layoutNode name="sibTrans">
+          <dgm:alg type="sp"/>
+          <dgm:shape xmlns:r="http://schemas.openxmlformats.org/officeDocument/2006/relationships" r:blip="">
+            <dgm:adjLst/>
+          </dgm:shape>
+        </dgm:layoutNode>
+      </dgm:forEach>
+    </dgm:forEach>
+  </dgm:layoutNode>
+</dgm:layoutDef>
+</file>
+
+<file path=ppt/diagrams/quickStyle1.xml><?xml version="1.0" encoding="utf-8"?>
+<dgm:styleDef xmlns:dgm="http://schemas.openxmlformats.org/drawingml/2006/diagram" xmlns:a="http://schemas.openxmlformats.org/drawingml/2006/main" uniqueId="urn:microsoft.com/office/officeart/2005/8/quickstyle/simple5">
+  <dgm:title val=""/>
+  <dgm:desc val=""/>
+  <dgm:catLst>
+    <dgm:cat type="simple" pri="10500"/>
+  </dgm:catLst>
+  <dgm:scene3d>
+    <a:camera prst="orthographicFront"/>
+    <a:lightRig rig="threePt" dir="t"/>
+  </dgm:scene3d>
+  <dgm:styleLbl name="node0">
+    <dgm:scene3d>
+      <a:camera prst="orthographicFront"/>
+      <a:lightRig rig="threePt" dir="t"/>
+    </dgm:scene3d>
+    <dgm:sp3d/>
+    <dgm:txPr/>
+    <dgm:style>
+      <a:lnRef idx="0">
+        <a:scrgbClr r="0" g="0" b="0"/>
+      </a:lnRef>
+      <a:fillRef idx="3">
+        <a:scrgbClr r="0" g="0" b="0"/>
+      </a:fillRef>
+      <a:effectRef idx="3">
+        <a:scrgbClr r="0" g="0" b="0"/>
+      </a:effectRef>
+      <a:fontRef idx="minor">
+        <a:schemeClr val="lt1"/>
+      </a:fontRef>
+    </dgm:style>
+  </dgm:styleLbl>
+  <dgm:styleLbl name="lnNode1">
+    <dgm:scene3d>
+      <a:camera prst="orthographicFront"/>
+      <a:lightRig rig="threePt" dir="t"/>
+    </dgm:scene3d>
+    <dgm:sp3d/>
+    <dgm:txPr/>
+    <dgm:style>
+      <a:lnRef idx="0">
+        <a:scrgbClr r="0" g="0" b="0"/>
+      </a:lnRef>
+      <a:fillRef idx="3">
+        <a:scrgbClr r="0" g="0" b="0"/>
+      </a:fillRef>
+      <a:effectRef idx="3">
+        <a:scrgbClr r="0" g="0" b="0"/>
+      </a:effectRef>
+      <a:fontRef idx="minor">
+        <a:schemeClr val="lt1"/>
+      </a:fontRef>
+    </dgm:style>
+  </dgm:styleLbl>
+  <dgm:styleLbl name="vennNode1">
+    <dgm:scene3d>
+      <a:camera prst="orthographicFront"/>
+      <a:lightRig rig="threePt" dir="t"/>
+    </dgm:scene3d>
+    <dgm:sp3d/>
+    <dgm:txPr/>
+    <dgm:style>
+      <a:lnRef idx="0">
+        <a:scrgbClr r="0" g="0" b="0"/>
+      </a:lnRef>
+      <a:fillRef idx="3">
+        <a:scrgbClr r="0" g="0" b="0"/>
+      </a:fillRef>
+      <a:effectRef idx="3">
+        <a:scrgbClr r="0" g="0" b="0"/>
+      </a:effectRef>
+      <a:fontRef idx="minor">
+        <a:schemeClr val="tx1"/>
+      </a:fontRef>
+    </dgm:style>
+  </dgm:styleLbl>
+  <dgm:styleLbl name="alignNode1">
+    <dgm:scene3d>
+      <a:camera prst="orthographicFront"/>
+      <a:lightRig rig="threePt" dir="t"/>
+    </dgm:scene3d>
+    <dgm:sp3d/>
+    <dgm:txPr/>
+    <dgm:style>
+      <a:lnRef idx="1">
+        <a:scrgbClr r="0" g="0" b="0"/>
+      </a:lnRef>
+      <a:fillRef idx="3">
+        <a:scrgbClr r="0" g="0" b="0"/>
+      </a:fillRef>
+      <a:effectRef idx="3">
+        <a:scrgbClr r="0" g="0" b="0"/>
+      </a:effectRef>
+      <a:fontRef idx="minor">
+        <a:schemeClr val="lt1"/>
+      </a:fontRef>
+    </dgm:style>
+  </dgm:styleLbl>
+  <dgm:styleLbl name="node1">
+    <dgm:scene3d>
+      <a:camera prst="orthographicFront"/>
+      <a:lightRig rig="threePt" dir="t"/>
+    </dgm:scene3d>
+    <dgm:sp3d/>
+    <dgm:txPr/>
+    <dgm:style>
+      <a:lnRef idx="0">
+        <a:scrgbClr r="0" g="0" b="0"/>
+      </a:lnRef>
+      <a:fillRef idx="3">
+        <a:scrgbClr r="0" g="0" b="0"/>
+      </a:fillRef>
+      <a:effectRef idx="3">
+        <a:scrgbClr r="0" g="0" b="0"/>
+      </a:effectRef>
+      <a:fontRef idx="minor">
+        <a:schemeClr val="lt1"/>
+      </a:fontRef>
+    </dgm:style>
+  </dgm:styleLbl>
+  <dgm:styleLbl name="node2">
+    <dgm:scene3d>
+      <a:camera prst="orthographicFront"/>
+      <a:lightRig rig="threePt" dir="t"/>
+    </dgm:scene3d>
+    <dgm:sp3d/>
+    <dgm:txPr/>
+    <dgm:style>
+      <a:lnRef idx="0">
+        <a:scrgbClr r="0" g="0" b="0"/>
+      </a:lnRef>
+      <a:fillRef idx="3">
+        <a:scrgbClr r="0" g="0" b="0"/>
+      </a:fillRef>
+      <a:effectRef idx="3">
+        <a:scrgbClr r="0" g="0" b="0"/>
+      </a:effectRef>
+      <a:fontRef idx="minor">
+        <a:schemeClr val="lt1"/>
+      </a:fontRef>
+    </dgm:style>
+  </dgm:styleLbl>
+  <dgm:styleLbl name="node3">
+    <dgm:scene3d>
+      <a:camera prst="orthographicFront"/>
+      <a:lightRig rig="threePt" dir="t"/>
+    </dgm:scene3d>
+    <dgm:sp3d/>
+    <dgm:txPr/>
+    <dgm:style>
+      <a:lnRef idx="0">
+        <a:scrgbClr r="0" g="0" b="0"/>
+      </a:lnRef>
+      <a:fillRef idx="3">
+        <a:scrgbClr r="0" g="0" b="0"/>
+      </a:fillRef>
+      <a:effectRef idx="3">
+        <a:scrgbClr r="0" g="0" b="0"/>
+      </a:effectRef>
+      <a:fontRef idx="minor">
+        <a:schemeClr val="lt1"/>
+      </a:fontRef>
+    </dgm:style>
+  </dgm:styleLbl>
+  <dgm:styleLbl name="node4">
+    <dgm:scene3d>
+      <a:camera prst="orthographicFront"/>
+      <a:lightRig rig="threePt" dir="t"/>
+    </dgm:scene3d>
+    <dgm:sp3d/>
+    <dgm:txPr/>
+    <dgm:style>
+      <a:lnRef idx="0">
+        <a:scrgbClr r="0" g="0" b="0"/>
+      </a:lnRef>
+      <a:fillRef idx="3">
+        <a:scrgbClr r="0" g="0" b="0"/>
+      </a:fillRef>
+      <a:effectRef idx="3">
+        <a:scrgbClr r="0" g="0" b="0"/>
+      </a:effectRef>
+      <a:fontRef idx="minor">
+        <a:schemeClr val="lt1"/>
+      </a:fontRef>
+    </dgm:style>
+  </dgm:styleLbl>
+  <dgm:styleLbl name="fgImgPlace1">
+    <dgm:scene3d>
+      <a:camera prst="orthographicFront"/>
+      <a:lightRig rig="threePt" dir="t"/>
+    </dgm:scene3d>
+    <dgm:sp3d/>
+    <dgm:txPr/>
+    <dgm:style>
+      <a:lnRef idx="0">
+        <a:scrgbClr r="0" g="0" b="0"/>
+      </a:lnRef>
+      <a:fillRef idx="1">
+        <a:scrgbClr r="0" g="0" b="0"/>
+      </a:fillRef>
+      <a:effectRef idx="3">
+        <a:scrgbClr r="0" g="0" b="0"/>
+      </a:effectRef>
+      <a:fontRef idx="minor"/>
+    </dgm:style>
+  </dgm:styleLbl>
+  <dgm:styleLbl name="alignImgPlace1">
+    <dgm:scene3d>
+      <a:camera prst="orthographicFront"/>
+      <a:lightRig rig="threePt" dir="t"/>
+    </dgm:scene3d>
+    <dgm:sp3d/>
+    <dgm:txPr/>
+    <dgm:style>
+      <a:lnRef idx="0">
+        <a:scrgbClr r="0" g="0" b="0"/>
+      </a:lnRef>
+      <a:fillRef idx="1">
+        <a:scrgbClr r="0" g="0" b="0"/>
+      </a:fillRef>
+      <a:effectRef idx="3">
+        <a:scrgbClr r="0" g="0" b="0"/>
+      </a:effectRef>
+      <a:fontRef idx="minor"/>
+    </dgm:style>
+  </dgm:styleLbl>
+  <dgm:styleLbl name="bgImgPlace1">
+    <dgm:scene3d>
+      <a:camera prst="orthographicFront"/>
+      <a:lightRig rig="threePt" dir="t"/>
+    </dgm:scene3d>
+    <dgm:sp3d/>
+    <dgm:txPr/>
+    <dgm:style>
+      <a:lnRef idx="0">
+        <a:scrgbClr r="0" g="0" b="0"/>
+      </a:lnRef>
+      <a:fillRef idx="1">
+        <a:scrgbClr r="0" g="0" b="0"/>
+      </a:fillRef>
+      <a:effectRef idx="3">
+        <a:scrgbClr r="0" g="0" b="0"/>
+      </a:effectRef>
+      <a:fontRef idx="minor"/>
+    </dgm:style>
+  </dgm:styleLbl>
+  <dgm:styleLbl name="sibTrans2D1">
+    <dgm:scene3d>
+      <a:camera prst="orthographicFront"/>
+      <a:lightRig rig="threePt" dir="t"/>
+    </dgm:scene3d>
+    <dgm:sp3d/>
+    <dgm:txPr/>
+    <dgm:style>
+      <a:lnRef idx="0">
+        <a:scrgbClr r="0" g="0" b="0"/>
+      </a:lnRef>
+      <a:fillRef idx="3">
+        <a:scrgbClr r="0" g="0" b="0"/>
+      </a:fillRef>
+      <a:effectRef idx="3">
+        <a:scrgbClr r="0" g="0" b="0"/>
+      </a:effectRef>
+      <a:fontRef idx="minor">
+        <a:schemeClr val="lt1"/>
+      </a:fontRef>
+    </dgm:style>
+  </dgm:styleLbl>
+  <dgm:styleLbl name="fgSibTrans2D1">
+    <dgm:scene3d>
+      <a:camera prst="orthographicFront"/>
+      <a:lightRig rig="threePt" dir="t"/>
+    </dgm:scene3d>
+    <dgm:sp3d/>
+    <dgm:txPr/>
+    <dgm:style>
+      <a:lnRef idx="0">
+        <a:scrgbClr r="0" g="0" b="0"/>
+      </a:lnRef>
+      <a:fillRef idx="3">
+        <a:scrgbClr r="0" g="0" b="0"/>
+      </a:fillRef>
+      <a:effectRef idx="3">
+        <a:scrgbClr r="0" g="0" b="0"/>
+      </a:effectRef>
+      <a:fontRef idx="minor">
+        <a:schemeClr val="lt1"/>
+      </a:fontRef>
+    </dgm:style>
+  </dgm:styleLbl>
+  <dgm:styleLbl name="bgSibTrans2D1">
+    <dgm:scene3d>
+      <a:camera prst="orthographicFront"/>
+      <a:lightRig rig="threePt" dir="t"/>
+    </dgm:scene3d>
+    <dgm:sp3d/>
+    <dgm:txPr/>
+    <dgm:style>
+      <a:lnRef idx="0">
+        <a:scrgbClr r="0" g="0" b="0"/>
+      </a:lnRef>
+      <a:fillRef idx="3">
+        <a:scrgbClr r="0" g="0" b="0"/>
+      </a:fillRef>
+      <a:effectRef idx="3">
+        <a:scrgbClr r="0" g="0" b="0"/>
+      </a:effectRef>
+      <a:fontRef idx="minor">
+        <a:schemeClr val="lt1"/>
+      </a:fontRef>
+    </dgm:style>
+  </dgm:styleLbl>
+  <dgm:styleLbl name="sibTrans1D1">
+    <dgm:scene3d>
+      <a:camera prst="orthographicFront"/>
+      <a:lightRig rig="threePt" dir="t"/>
+    </dgm:scene3d>
+    <dgm:sp3d/>
+    <dgm:txPr/>
+    <dgm:style>
+      <a:lnRef idx="1">
+        <a:scrgbClr r="0" g="0" b="0"/>
+      </a:lnRef>
+      <a:fillRef idx="0">
+        <a:scrgbClr r="0" g="0" b="0"/>
+      </a:fillRef>
+      <a:effectRef idx="0">
+        <a:scrgbClr r="0" g="0" b="0"/>
+      </a:effectRef>
+      <a:fontRef idx="minor"/>
+    </dgm:style>
+  </dgm:styleLbl>
+  <dgm:styleLbl name="callout">
+    <dgm:scene3d>
+      <a:camera prst="orthographicFront"/>
+      <a:lightRig rig="threePt" dir="t"/>
+    </dgm:scene3d>
+    <dgm:sp3d/>
+    <dgm:txPr/>
+    <dgm:style>
+      <a:lnRef idx="1">
+        <a:scrgbClr r="0" g="0" b="0"/>
+      </a:lnRef>
+      <a:fillRef idx="0">
+        <a:scrgbClr r="0" g="0" b="0"/>
+      </a:fillRef>
+      <a:effectRef idx="1">
+        <a:scrgbClr r="0" g="0" b="0"/>
+      </a:effectRef>
+      <a:fontRef idx="minor"/>
+    </dgm:style>
+  </dgm:styleLbl>
+  <dgm:styleLbl name="asst0">
+    <dgm:scene3d>
+      <a:camera prst="orthographicFront"/>
+      <a:lightRig rig="threePt" dir="t"/>
+    </dgm:scene3d>
+    <dgm:sp3d/>
+    <dgm:txPr/>
+    <dgm:style>
+      <a:lnRef idx="0">
+        <a:scrgbClr r="0" g="0" b="0"/>
+      </a:lnRef>
+      <a:fillRef idx="3">
+        <a:scrgbClr r="0" g="0" b="0"/>
+      </a:fillRef>
+      <a:effectRef idx="3">
+        <a:scrgbClr r="0" g="0" b="0"/>
+      </a:effectRef>
+      <a:fontRef idx="minor">
+        <a:schemeClr val="lt1"/>
+      </a:fontRef>
+    </dgm:style>
+  </dgm:styleLbl>
+  <dgm:styleLbl name="asst1">
+    <dgm:scene3d>
+      <a:camera prst="orthographicFront"/>
+      <a:lightRig rig="threePt" dir="t"/>
+    </dgm:scene3d>
+    <dgm:sp3d/>
+    <dgm:txPr/>
+    <dgm:style>
+      <a:lnRef idx="0">
+        <a:scrgbClr r="0" g="0" b="0"/>
+      </a:lnRef>
+      <a:fillRef idx="3">
+        <a:scrgbClr r="0" g="0" b="0"/>
+      </a:fillRef>
+      <a:effectRef idx="3">
+        <a:scrgbClr r="0" g="0" b="0"/>
+      </a:effectRef>
+      <a:fontRef idx="minor">
+        <a:schemeClr val="lt1"/>
+      </a:fontRef>
+    </dgm:style>
+  </dgm:styleLbl>
+  <dgm:styleLbl name="asst2">
+    <dgm:scene3d>
+      <a:camera prst="orthographicFront"/>
+      <a:lightRig rig="threePt" dir="t"/>
+    </dgm:scene3d>
+    <dgm:sp3d/>
+    <dgm:txPr/>
+    <dgm:style>
+      <a:lnRef idx="0">
+        <a:scrgbClr r="0" g="0" b="0"/>
+      </a:lnRef>
+      <a:fillRef idx="3">
+        <a:scrgbClr r="0" g="0" b="0"/>
+      </a:fillRef>
+      <a:effectRef idx="3">
+        <a:scrgbClr r="0" g="0" b="0"/>
+      </a:effectRef>
+      <a:fontRef idx="minor">
+        <a:schemeClr val="lt1"/>
+      </a:fontRef>
+    </dgm:style>
+  </dgm:styleLbl>
+  <dgm:styleLbl name="asst3">
+    <dgm:scene3d>
+      <a:camera prst="orthographicFront"/>
+      <a:lightRig rig="threePt" dir="t"/>
+    </dgm:scene3d>
+    <dgm:sp3d/>
+    <dgm:txPr/>
+    <dgm:style>
+      <a:lnRef idx="0">
+        <a:scrgbClr r="0" g="0" b="0"/>
+      </a:lnRef>
+      <a:fillRef idx="3">
+        <a:scrgbClr r="0" g="0" b="0"/>
+      </a:fillRef>
+      <a:effectRef idx="3">
+        <a:scrgbClr r="0" g="0" b="0"/>
+      </a:effectRef>
+      <a:fontRef idx="minor">
+        <a:schemeClr val="lt1"/>
+      </a:fontRef>
+    </dgm:style>
+  </dgm:styleLbl>
+  <dgm:styleLbl name="asst4">
+    <dgm:scene3d>
+      <a:camera prst="orthographicFront"/>
+      <a:lightRig rig="threePt" dir="t"/>
+    </dgm:scene3d>
+    <dgm:sp3d/>
+    <dgm:txPr/>
+    <dgm:style>
+      <a:lnRef idx="0">
+        <a:scrgbClr r="0" g="0" b="0"/>
+      </a:lnRef>
+      <a:fillRef idx="3">
+        <a:scrgbClr r="0" g="0" b="0"/>
+      </a:fillRef>
+      <a:effectRef idx="3">
+        <a:scrgbClr r="0" g="0" b="0"/>
+      </a:effectRef>
+      <a:fontRef idx="minor">
+        <a:schemeClr val="lt1"/>
+      </a:fontRef>
+    </dgm:style>
+  </dgm:styleLbl>
+  <dgm:styleLbl name="parChTrans2D1">
+    <dgm:scene3d>
+      <a:camera prst="orthographicFront"/>
+      <a:lightRig rig="threePt" dir="t"/>
+    </dgm:scene3d>
+    <dgm:sp3d/>
+    <dgm:txPr/>
+    <dgm:style>
+      <a:lnRef idx="0">
+        <a:scrgbClr r="0" g="0" b="0"/>
+      </a:lnRef>
+      <a:fillRef idx="3">
+        <a:scrgbClr r="0" g="0" b="0"/>
+      </a:fillRef>
+      <a:effectRef idx="3">
+        <a:scrgbClr r="0" g="0" b="0"/>
+      </a:effectRef>
+      <a:fontRef idx="minor">
+        <a:schemeClr val="lt1"/>
+      </a:fontRef>
+    </dgm:style>
+  </dgm:styleLbl>
+  <dgm:styleLbl name="parChTrans2D2">
+    <dgm:scene3d>
+      <a:camera prst="orthographicFront"/>
+      <a:lightRig rig="threePt" dir="t"/>
+    </dgm:scene3d>
+    <dgm:sp3d/>
+    <dgm:txPr/>
+    <dgm:style>
+      <a:lnRef idx="0">
+        <a:scrgbClr r="0" g="0" b="0"/>
+      </a:lnRef>
+      <a:fillRef idx="3">
+        <a:scrgbClr r="0" g="0" b="0"/>
+      </a:fillRef>
+      <a:effectRef idx="3">
+        <a:scrgbClr r="0" g="0" b="0"/>
+      </a:effectRef>
+      <a:fontRef idx="minor">
+        <a:schemeClr val="lt1"/>
+      </a:fontRef>
+    </dgm:style>
+  </dgm:styleLbl>
+  <dgm:styleLbl name="parChTrans2D3">
+    <dgm:scene3d>
+      <a:camera prst="orthographicFront"/>
+      <a:lightRig rig="threePt" dir="t"/>
+    </dgm:scene3d>
+    <dgm:sp3d/>
+    <dgm:txPr/>
+    <dgm:style>
+      <a:lnRef idx="0">
+        <a:scrgbClr r="0" g="0" b="0"/>
+      </a:lnRef>
+      <a:fillRef idx="3">
+        <a:scrgbClr r="0" g="0" b="0"/>
+      </a:fillRef>
+      <a:effectRef idx="3">
+        <a:scrgbClr r="0" g="0" b="0"/>
+      </a:effectRef>
+      <a:fontRef idx="minor">
+        <a:schemeClr val="lt1"/>
+      </a:fontRef>
+    </dgm:style>
+  </dgm:styleLbl>
+  <dgm:styleLbl name="parChTrans2D4">
+    <dgm:scene3d>
+      <a:camera prst="orthographicFront"/>
+      <a:lightRig rig="threePt" dir="t"/>
+    </dgm:scene3d>
+    <dgm:sp3d/>
+    <dgm:txPr/>
+    <dgm:style>
+      <a:lnRef idx="0">
+        <a:scrgbClr r="0" g="0" b="0"/>
+      </a:lnRef>
+      <a:fillRef idx="3">
+        <a:scrgbClr r="0" g="0" b="0"/>
+      </a:fillRef>
+      <a:effectRef idx="3">
+        <a:scrgbClr r="0" g="0" b="0"/>
+      </a:effectRef>
+      <a:fontRef idx="minor">
+        <a:schemeClr val="lt1"/>
+      </a:fontRef>
+    </dgm:style>
+  </dgm:styleLbl>
+  <dgm:styleLbl name="parChTrans1D1">
+    <dgm:scene3d>
+      <a:camera prst="orthographicFront"/>
+      <a:lightRig rig="threePt" dir="t"/>
+    </dgm:scene3d>
+    <dgm:sp3d/>
+    <dgm:txPr/>
+    <dgm:style>
+      <a:lnRef idx="2">
+        <a:scrgbClr r="0" g="0" b="0"/>
+      </a:lnRef>
+      <a:fillRef idx="0">
+        <a:scrgbClr r="0" g="0" b="0"/>
+      </a:fillRef>
+      <a:effectRef idx="0">
+        <a:scrgbClr r="0" g="0" b="0"/>
+      </a:effectRef>
+      <a:fontRef idx="minor"/>
+    </dgm:style>
+  </dgm:styleLbl>
+  <dgm:styleLbl name="parChTrans1D2">
+    <dgm:scene3d>
+      <a:camera prst="orthographicFront"/>
+      <a:lightRig rig="threePt" dir="t"/>
+    </dgm:scene3d>
+    <dgm:sp3d/>
+    <dgm:txPr/>
+    <dgm:style>
+      <a:lnRef idx="2">
+        <a:scrgbClr r="0" g="0" b="0"/>
+      </a:lnRef>
+      <a:fillRef idx="0">
+        <a:scrgbClr r="0" g="0" b="0"/>
+      </a:fillRef>
+      <a:effectRef idx="0">
+        <a:scrgbClr r="0" g="0" b="0"/>
+      </a:effectRef>
+      <a:fontRef idx="minor"/>
+    </dgm:style>
+  </dgm:styleLbl>
+  <dgm:styleLbl name="parChTrans1D3">
+    <dgm:scene3d>
+      <a:camera prst="orthographicFront"/>
+      <a:lightRig rig="threePt" dir="t"/>
+    </dgm:scene3d>
+    <dgm:sp3d/>
+    <dgm:txPr/>
+    <dgm:style>
+      <a:lnRef idx="2">
+        <a:scrgbClr r="0" g="0" b="0"/>
+      </a:lnRef>
+      <a:fillRef idx="0">
+        <a:scrgbClr r="0" g="0" b="0"/>
+      </a:fillRef>
+      <a:effectRef idx="0">
+        <a:scrgbClr r="0" g="0" b="0"/>
+      </a:effectRef>
+      <a:fontRef idx="minor"/>
+    </dgm:style>
+  </dgm:styleLbl>
+  <dgm:styleLbl name="parChTrans1D4">
+    <dgm:scene3d>
+      <a:camera prst="orthographicFront"/>
+      <a:lightRig rig="threePt" dir="t"/>
+    </dgm:scene3d>
+    <dgm:sp3d/>
+    <dgm:txPr/>
+    <dgm:style>
+      <a:lnRef idx="2">
+        <a:scrgbClr r="0" g="0" b="0"/>
+      </a:lnRef>
+      <a:fillRef idx="0">
+        <a:scrgbClr r="0" g="0" b="0"/>
+      </a:fillRef>
+      <a:effectRef idx="0">
+        <a:scrgbClr r="0" g="0" b="0"/>
+      </a:effectRef>
+      <a:fontRef idx="minor"/>
+    </dgm:style>
+  </dgm:styleLbl>
+  <dgm:styleLbl name="fgAcc1">
+    <dgm:scene3d>
+      <a:camera prst="orthographicFront"/>
+      <a:lightRig rig="threePt" dir="t"/>
+    </dgm:scene3d>
+    <dgm:sp3d/>
+    <dgm:txPr/>
+    <dgm:style>
+      <a:lnRef idx="1">
+        <a:scrgbClr r="0" g="0" b="0"/>
+      </a:lnRef>
+      <a:fillRef idx="1">
+        <a:scrgbClr r="0" g="0" b="0"/>
+      </a:fillRef>
+      <a:effectRef idx="2">
+        <a:scrgbClr r="0" g="0" b="0"/>
+      </a:effectRef>
+      <a:fontRef idx="minor"/>
+    </dgm:style>
+  </dgm:styleLbl>
+  <dgm:styleLbl name="conFgAcc1">
+    <dgm:scene3d>
+      <a:camera prst="orthographicFront"/>
+      <a:lightRig rig="threePt" dir="t"/>
+    </dgm:scene3d>
+    <dgm:sp3d/>
+    <dgm:txPr/>
+    <dgm:style>
+      <a:lnRef idx="1">
+        <a:scrgbClr r="0" g="0" b="0"/>
+      </a:lnRef>
+      <a:fillRef idx="1">
+        <a:scrgbClr r="0" g="0" b="0"/>
+      </a:fillRef>
+      <a:effectRef idx="2">
+        <a:scrgbClr r="0" g="0" b="0"/>
+      </a:effectRef>
+      <a:fontRef idx="minor"/>
+    </dgm:style>
+  </dgm:styleLbl>
+  <dgm:styleLbl name="alignAcc1">
+    <dgm:scene3d>
+      <a:camera prst="orthographicFront"/>
+      <a:lightRig rig="threePt" dir="t"/>
+    </dgm:scene3d>
+    <dgm:sp3d/>
+    <dgm:txPr/>
+    <dgm:style>
+      <a:lnRef idx="1">
+        <a:scrgbClr r="0" g="0" b="0"/>
+      </a:lnRef>
+      <a:fillRef idx="1">
+        <a:scrgbClr r="0" g="0" b="0"/>
+      </a:fillRef>
+      <a:effectRef idx="2">
+        <a:scrgbClr r="0" g="0" b="0"/>
+      </a:effectRef>
+      <a:fontRef idx="minor"/>
+    </dgm:style>
+  </dgm:styleLbl>
+  <dgm:styleLbl name="trAlignAcc1">
+    <dgm:scene3d>
+      <a:camera prst="orthographicFront"/>
+      <a:lightRig rig="threePt" dir="t"/>
+    </dgm:scene3d>
+    <dgm:sp3d/>
+    <dgm:txPr/>
+    <dgm:style>
+      <a:lnRef idx="1">
+        <a:scrgbClr r="0" g="0" b="0"/>
+      </a:lnRef>
+      <a:fillRef idx="1">
+        <a:scrgbClr r="0" g="0" b="0"/>
+      </a:fillRef>
+      <a:effectRef idx="0">
+        <a:scrgbClr r="0" g="0" b="0"/>
+      </a:effectRef>
+      <a:fontRef idx="minor"/>
+    </dgm:style>
+  </dgm:styleLbl>
+  <dgm:styleLbl name="bgAcc1">
+    <dgm:scene3d>
+      <a:camera prst="orthographicFront"/>
+      <a:lightRig rig="threePt" dir="t"/>
+    </dgm:scene3d>
+    <dgm:sp3d/>
+    <dgm:txPr/>
+    <dgm:style>
+      <a:lnRef idx="1">
+        <a:scrgbClr r="0" g="0" b="0"/>
+      </a:lnRef>
+      <a:fillRef idx="1">
+        <a:scrgbClr r="0" g="0" b="0"/>
+      </a:fillRef>
+      <a:effectRef idx="2">
+        <a:scrgbClr r="0" g="0" b="0"/>
+      </a:effectRef>
+      <a:fontRef idx="minor"/>
+    </dgm:style>
+  </dgm:styleLbl>
+  <dgm:styleLbl name="solidFgAcc1">
+    <dgm:scene3d>
+      <a:camera prst="orthographicFront"/>
+      <a:lightRig rig="threePt" dir="t"/>
+    </dgm:scene3d>
+    <dgm:sp3d/>
+    <dgm:txPr/>
+    <dgm:style>
+      <a:lnRef idx="1">
+        <a:scrgbClr r="0" g="0" b="0"/>
+      </a:lnRef>
+      <a:fillRef idx="1">
+        <a:scrgbClr r="0" g="0" b="0"/>
+      </a:fillRef>
+      <a:effectRef idx="2">
+        <a:scrgbClr r="0" g="0" b="0"/>
+      </a:effectRef>
+      <a:fontRef idx="minor"/>
+    </dgm:style>
+  </dgm:styleLbl>
+  <dgm:styleLbl name="solidAlignAcc1">
+    <dgm:scene3d>
+      <a:camera prst="orthographicFront"/>
+      <a:lightRig rig="threePt" dir="t"/>
+    </dgm:scene3d>
+    <dgm:sp3d/>
+    <dgm:txPr/>
+    <dgm:style>
+      <a:lnRef idx="1">
+        <a:scrgbClr r="0" g="0" b="0"/>
+      </a:lnRef>
+      <a:fillRef idx="1">
+        <a:scrgbClr r="0" g="0" b="0"/>
+      </a:fillRef>
+      <a:effectRef idx="3">
+        <a:scrgbClr r="0" g="0" b="0"/>
+      </a:effectRef>
+      <a:fontRef idx="minor"/>
+    </dgm:style>
+  </dgm:styleLbl>
+  <dgm:styleLbl name="solidBgAcc1">
+    <dgm:scene3d>
+      <a:camera prst="orthographicFront"/>
+      <a:lightRig rig="threePt" dir="t"/>
+    </dgm:scene3d>
+    <dgm:sp3d/>
+    <dgm:txPr/>
+    <dgm:style>
+      <a:lnRef idx="1">
+        <a:scrgbClr r="0" g="0" b="0"/>
+      </a:lnRef>
+      <a:fillRef idx="1">
+        <a:scrgbClr r="0" g="0" b="0"/>
+      </a:fillRef>
+      <a:effectRef idx="3">
+        <a:scrgbClr r="0" g="0" b="0"/>
+      </a:effectRef>
+      <a:fontRef idx="minor"/>
+    </dgm:style>
+  </dgm:styleLbl>
+  <dgm:styleLbl name="fgAccFollowNode1">
+    <dgm:scene3d>
+      <a:camera prst="orthographicFront"/>
+      <a:lightRig rig="threePt" dir="t"/>
+    </dgm:scene3d>
+    <dgm:sp3d/>
+    <dgm:txPr/>
+    <dgm:style>
+      <a:lnRef idx="1">
+        <a:scrgbClr r="0" g="0" b="0"/>
+      </a:lnRef>
+      <a:fillRef idx="1">
+        <a:scrgbClr r="0" g="0" b="0"/>
+      </a:fillRef>
+      <a:effectRef idx="2">
+        <a:scrgbClr r="0" g="0" b="0"/>
+      </a:effectRef>
+      <a:fontRef idx="minor"/>
+    </dgm:style>
+  </dgm:styleLbl>
+  <dgm:styleLbl name="alignAccFollowNode1">
+    <dgm:scene3d>
+      <a:camera prst="orthographicFront"/>
+      <a:lightRig rig="threePt" dir="t"/>
+    </dgm:scene3d>
+    <dgm:sp3d/>
+    <dgm:txPr/>
+    <dgm:style>
+      <a:lnRef idx="1">
+        <a:scrgbClr r="0" g="0" b="0"/>
+      </a:lnRef>
+      <a:fillRef idx="1">
+        <a:scrgbClr r="0" g="0" b="0"/>
+      </a:fillRef>
+      <a:effectRef idx="2">
+        <a:scrgbClr r="0" g="0" b="0"/>
+      </a:effectRef>
+      <a:fontRef idx="minor"/>
+    </dgm:style>
+  </dgm:styleLbl>
+  <dgm:styleLbl name="bgAccFollowNode1">
+    <dgm:scene3d>
+      <a:camera prst="orthographicFront"/>
+      <a:lightRig rig="threePt" dir="t"/>
+    </dgm:scene3d>
+    <dgm:sp3d/>
+    <dgm:txPr/>
+    <dgm:style>
+      <a:lnRef idx="1">
+        <a:scrgbClr r="0" g="0" b="0"/>
+      </a:lnRef>
+      <a:fillRef idx="1">
+        <a:scrgbClr r="0" g="0" b="0"/>
+      </a:fillRef>
+      <a:effectRef idx="2">
+        <a:scrgbClr r="0" g="0" b="0"/>
+      </a:effectRef>
+      <a:fontRef idx="minor"/>
+    </dgm:style>
+  </dgm:styleLbl>
+  <dgm:styleLbl name="fgAcc0">
+    <dgm:scene3d>
+      <a:camera prst="orthographicFront"/>
+      <a:lightRig rig="threePt" dir="t"/>
+    </dgm:scene3d>
+    <dgm:sp3d/>
+    <dgm:txPr/>
+    <dgm:style>
+      <a:lnRef idx="1">
+        <a:scrgbClr r="0" g="0" b="0"/>
+      </a:lnRef>
+      <a:fillRef idx="1">
+        <a:scrgbClr r="0" g="0" b="0"/>
+      </a:fillRef>
+      <a:effectRef idx="2">
+        <a:scrgbClr r="0" g="0" b="0"/>
+      </a:effectRef>
+      <a:fontRef idx="minor"/>
+    </dgm:style>
+  </dgm:styleLbl>
+  <dgm:styleLbl name="fgAcc2">
+    <dgm:scene3d>
+      <a:camera prst="orthographicFront"/>
+      <a:lightRig rig="threePt" dir="t"/>
+    </dgm:scene3d>
+    <dgm:sp3d/>
+    <dgm:txPr/>
+    <dgm:style>
+      <a:lnRef idx="1">
+        <a:scrgbClr r="0" g="0" b="0"/>
+      </a:lnRef>
+      <a:fillRef idx="1">
+        <a:scrgbClr r="0" g="0" b="0"/>
+      </a:fillRef>
+      <a:effectRef idx="2">
+        <a:scrgbClr r="0" g="0" b="0"/>
+      </a:effectRef>
+      <a:fontRef idx="minor"/>
+    </dgm:style>
+  </dgm:styleLbl>
+  <dgm:styleLbl name="fgAcc3">
+    <dgm:scene3d>
+      <a:camera prst="orthographicFront"/>
+      <a:lightRig rig="threePt" dir="t"/>
+    </dgm:scene3d>
+    <dgm:sp3d/>
+    <dgm:txPr/>
+    <dgm:style>
+      <a:lnRef idx="1">
+        <a:scrgbClr r="0" g="0" b="0"/>
+      </a:lnRef>
+      <a:fillRef idx="1">
+        <a:scrgbClr r="0" g="0" b="0"/>
+      </a:fillRef>
+      <a:effectRef idx="2">
+        <a:scrgbClr r="0" g="0" b="0"/>
+      </a:effectRef>
+      <a:fontRef idx="minor"/>
+    </dgm:style>
+  </dgm:styleLbl>
+  <dgm:styleLbl name="fgAcc4">
+    <dgm:scene3d>
+      <a:camera prst="orthographicFront"/>
+      <a:lightRig rig="threePt" dir="t"/>
+    </dgm:scene3d>
+    <dgm:sp3d/>
+    <dgm:txPr/>
+    <dgm:style>
+      <a:lnRef idx="1">
+        <a:scrgbClr r="0" g="0" b="0"/>
+      </a:lnRef>
+      <a:fillRef idx="1">
+        <a:scrgbClr r="0" g="0" b="0"/>
+      </a:fillRef>
+      <a:effectRef idx="2">
+        <a:scrgbClr r="0" g="0" b="0"/>
+      </a:effectRef>
+      <a:fontRef idx="minor"/>
+    </dgm:style>
+  </dgm:styleLbl>
+  <dgm:styleLbl name="bgShp">
+    <dgm:scene3d>
+      <a:camera prst="orthographicFront"/>
+      <a:lightRig rig="threePt" dir="t"/>
+    </dgm:scene3d>
+    <dgm:sp3d/>
+    <dgm:txPr/>
+    <dgm:style>
+      <a:lnRef idx="0">
+        <a:scrgbClr r="0" g="0" b="0"/>
+      </a:lnRef>
+      <a:fillRef idx="1">
+        <a:scrgbClr r="0" g="0" b="0"/>
+      </a:fillRef>
+      <a:effectRef idx="2">
+        <a:scrgbClr r="0" g="0" b="0"/>
+      </a:effectRef>
+      <a:fontRef idx="minor"/>
+    </dgm:style>
+  </dgm:styleLbl>
+  <dgm:styleLbl name="dkBgShp">
+    <dgm:scene3d>
+      <a:camera prst="orthographicFront"/>
+      <a:lightRig rig="threePt" dir="t"/>
+    </dgm:scene3d>
+    <dgm:sp3d/>
+    <dgm:txPr/>
+    <dgm:style>
+      <a:lnRef idx="0">
+        <a:scrgbClr r="0" g="0" b="0"/>
+      </a:lnRef>
+      <a:fillRef idx="1">
+        <a:scrgbClr r="0" g="0" b="0"/>
+      </a:fillRef>
+      <a:effectRef idx="3">
+        <a:scrgbClr r="0" g="0" b="0"/>
+      </a:effectRef>
+      <a:fontRef idx="minor"/>
+    </dgm:style>
+  </dgm:styleLbl>
+  <dgm:styleLbl name="trBgShp">
+    <dgm:scene3d>
+      <a:camera prst="orthographicFront"/>
+      <a:lightRig rig="threePt" dir="t"/>
+    </dgm:scene3d>
+    <dgm:sp3d/>
+    <dgm:txPr/>
+    <dgm:style>
+      <a:lnRef idx="0">
+        <a:scrgbClr r="0" g="0" b="0"/>
+      </a:lnRef>
+      <a:fillRef idx="1">
+        <a:scrgbClr r="0" g="0" b="0"/>
+      </a:fillRef>
+      <a:effectRef idx="0">
+        <a:scrgbClr r="0" g="0" b="0"/>
+      </a:effectRef>
+      <a:fontRef idx="minor"/>
+    </dgm:style>
+  </dgm:styleLbl>
+  <dgm:styleLbl name="fgShp">
+    <dgm:scene3d>
+      <a:camera prst="orthographicFront"/>
+      <a:lightRig rig="threePt" dir="t"/>
+    </dgm:scene3d>
+    <dgm:sp3d/>
+    <dgm:txPr/>
+    <dgm:style>
+      <a:lnRef idx="0">
+        <a:scrgbClr r="0" g="0" b="0"/>
+      </a:lnRef>
+      <a:fillRef idx="3">
+        <a:scrgbClr r="0" g="0" b="0"/>
+      </a:fillRef>
+      <a:effectRef idx="3">
+        <a:scrgbClr r="0" g="0" b="0"/>
+      </a:effectRef>
+      <a:fontRef idx="minor"/>
+    </dgm:style>
+  </dgm:styleLbl>
+  <dgm:styleLbl name="revTx">
+    <dgm:scene3d>
+      <a:camera prst="orthographicFront"/>
+      <a:lightRig rig="threePt" dir="t"/>
+    </dgm:scene3d>
+    <dgm:sp3d/>
+    <dgm:txPr/>
+    <dgm:style>
+      <a:lnRef idx="0">
+        <a:scrgbClr r="0" g="0" b="0"/>
+      </a:lnRef>
+      <a:fillRef idx="0">
+        <a:scrgbClr r="0" g="0" b="0"/>
+      </a:fillRef>
+      <a:effectRef idx="0">
+        <a:scrgbClr r="0" g="0" b="0"/>
+      </a:effectRef>
+      <a:fontRef idx="minor"/>
+    </dgm:style>
+  </dgm:styleLbl>
+</dgm:styleDef>
 </file>
 
 <file path=ppt/slideLayouts/slideLayout1.xml><?xml version="1.0" encoding="utf-8"?>
@@ -2950,6 +5528,14 @@
 <file path=ppt/slides/slide1.xml><?xml version="1.0" encoding="utf-8"?>
 <p:sld xmlns:a="http://schemas.openxmlformats.org/drawingml/2006/main" xmlns:r="http://schemas.openxmlformats.org/officeDocument/2006/relationships" xmlns:p="http://schemas.openxmlformats.org/presentationml/2006/main">
   <p:cSld>
+    <p:bg>
+      <p:bgPr>
+        <a:solidFill>
+          <a:schemeClr val="bg1"/>
+        </a:solidFill>
+        <a:effectLst/>
+      </p:bgPr>
+    </p:bg>
     <p:spTree>
       <p:nvGrpSpPr>
         <p:cNvPr id="1" name=""/>
@@ -2964,6 +5550,589 @@
           <a:chExt cx="0" cy="0"/>
         </a:xfrm>
       </p:grpSpPr>
+      <p:grpSp>
+        <p:nvGrpSpPr>
+          <p:cNvPr id="10" name="Group 9"/>
+          <p:cNvGrpSpPr/>
+          <p:nvPr/>
+        </p:nvGrpSpPr>
+        <p:grpSpPr>
+          <a:xfrm>
+            <a:off x="258618" y="113677"/>
+            <a:ext cx="9605817" cy="6869015"/>
+            <a:chOff x="258618" y="113677"/>
+            <a:chExt cx="9605817" cy="6869015"/>
+          </a:xfrm>
+        </p:grpSpPr>
+        <p:sp>
+          <p:nvSpPr>
+            <p:cNvPr id="4" name="Rectangle 3"/>
+            <p:cNvSpPr/>
+            <p:nvPr/>
+          </p:nvSpPr>
+          <p:spPr>
+            <a:xfrm>
+              <a:off x="258618" y="113677"/>
+              <a:ext cx="6650182" cy="1936796"/>
+            </a:xfrm>
+            <a:prstGeom prst="rect">
+              <a:avLst/>
+            </a:prstGeom>
+            <a:solidFill>
+              <a:schemeClr val="bg1">
+                <a:lumMod val="95000"/>
+              </a:schemeClr>
+            </a:solidFill>
+          </p:spPr>
+          <p:style>
+            <a:lnRef idx="0">
+              <a:schemeClr val="accent1"/>
+            </a:lnRef>
+            <a:fillRef idx="3">
+              <a:schemeClr val="accent1"/>
+            </a:fillRef>
+            <a:effectRef idx="3">
+              <a:schemeClr val="accent1"/>
+            </a:effectRef>
+            <a:fontRef idx="minor">
+              <a:schemeClr val="lt1"/>
+            </a:fontRef>
+          </p:style>
+          <p:txBody>
+            <a:bodyPr rtlCol="0" anchor="ctr"/>
+            <a:lstStyle/>
+            <a:p>
+              <a:r>
+                <a:rPr lang="en-US" dirty="0">
+                  <a:solidFill>
+                    <a:srgbClr val="0000FF"/>
+                  </a:solidFill>
+                  <a:latin typeface="Consolas" panose="020B0609020204030204" pitchFamily="49" charset="0"/>
+                </a:rPr>
+                <a:t>Module</a:t>
+              </a:r>
+              <a:r>
+                <a:rPr lang="en-US" dirty="0">
+                  <a:solidFill>
+                    <a:srgbClr val="000000"/>
+                  </a:solidFill>
+                  <a:latin typeface="Consolas" panose="020B0609020204030204" pitchFamily="49" charset="0"/>
+                </a:rPr>
+                <a:t> </a:t>
+              </a:r>
+              <a:r>
+                <a:rPr lang="en-US" dirty="0">
+                  <a:solidFill>
+                    <a:srgbClr val="2B91AF"/>
+                  </a:solidFill>
+                  <a:latin typeface="Consolas" panose="020B0609020204030204" pitchFamily="49" charset="0"/>
+                </a:rPr>
+                <a:t>Program</a:t>
+              </a:r>
+              <a:endParaRPr lang="en-US" dirty="0">
+                <a:solidFill>
+                  <a:srgbClr val="000000"/>
+                </a:solidFill>
+                <a:latin typeface="Consolas" panose="020B0609020204030204" pitchFamily="49" charset="0"/>
+              </a:endParaRPr>
+            </a:p>
+            <a:p>
+              <a:endParaRPr lang="en-US" dirty="0">
+                <a:solidFill>
+                  <a:srgbClr val="000000"/>
+                </a:solidFill>
+                <a:latin typeface="Consolas" panose="020B0609020204030204" pitchFamily="49" charset="0"/>
+              </a:endParaRPr>
+            </a:p>
+            <a:p>
+              <a:r>
+                <a:rPr lang="en-US" dirty="0">
+                  <a:solidFill>
+                    <a:srgbClr val="000000"/>
+                  </a:solidFill>
+                  <a:latin typeface="Consolas" panose="020B0609020204030204" pitchFamily="49" charset="0"/>
+                </a:rPr>
+                <a:t>    </a:t>
+              </a:r>
+              <a:r>
+                <a:rPr lang="en-US" dirty="0">
+                  <a:solidFill>
+                    <a:srgbClr val="0000FF"/>
+                  </a:solidFill>
+                  <a:latin typeface="Consolas" panose="020B0609020204030204" pitchFamily="49" charset="0"/>
+                </a:rPr>
+                <a:t>Public</a:t>
+              </a:r>
+              <a:r>
+                <a:rPr lang="en-US" dirty="0">
+                  <a:solidFill>
+                    <a:srgbClr val="000000"/>
+                  </a:solidFill>
+                  <a:latin typeface="Consolas" panose="020B0609020204030204" pitchFamily="49" charset="0"/>
+                </a:rPr>
+                <a:t> </a:t>
+              </a:r>
+              <a:r>
+                <a:rPr lang="en-US" dirty="0">
+                  <a:solidFill>
+                    <a:srgbClr val="0000FF"/>
+                  </a:solidFill>
+                  <a:latin typeface="Consolas" panose="020B0609020204030204" pitchFamily="49" charset="0"/>
+                </a:rPr>
+                <a:t>Function</a:t>
+              </a:r>
+              <a:r>
+                <a:rPr lang="en-US" dirty="0">
+                  <a:solidFill>
+                    <a:srgbClr val="000000"/>
+                  </a:solidFill>
+                  <a:latin typeface="Consolas" panose="020B0609020204030204" pitchFamily="49" charset="0"/>
+                </a:rPr>
+                <a:t> Main() </a:t>
+              </a:r>
+              <a:r>
+                <a:rPr lang="en-US" dirty="0">
+                  <a:solidFill>
+                    <a:srgbClr val="0000FF"/>
+                  </a:solidFill>
+                  <a:latin typeface="Consolas" panose="020B0609020204030204" pitchFamily="49" charset="0"/>
+                </a:rPr>
+                <a:t>As</a:t>
+              </a:r>
+              <a:r>
+                <a:rPr lang="en-US" dirty="0">
+                  <a:solidFill>
+                    <a:srgbClr val="000000"/>
+                  </a:solidFill>
+                  <a:latin typeface="Consolas" panose="020B0609020204030204" pitchFamily="49" charset="0"/>
+                </a:rPr>
+                <a:t> </a:t>
+              </a:r>
+              <a:r>
+                <a:rPr lang="en-US" dirty="0">
+                  <a:solidFill>
+                    <a:srgbClr val="0000FF"/>
+                  </a:solidFill>
+                  <a:latin typeface="Consolas" panose="020B0609020204030204" pitchFamily="49" charset="0"/>
+                </a:rPr>
+                <a:t>Integer</a:t>
+              </a:r>
+              <a:endParaRPr lang="en-US" dirty="0">
+                <a:solidFill>
+                  <a:srgbClr val="000000"/>
+                </a:solidFill>
+                <a:latin typeface="Consolas" panose="020B0609020204030204" pitchFamily="49" charset="0"/>
+              </a:endParaRPr>
+            </a:p>
+            <a:p>
+              <a:r>
+                <a:rPr lang="en-US" dirty="0">
+                  <a:solidFill>
+                    <a:srgbClr val="000000"/>
+                  </a:solidFill>
+                  <a:latin typeface="Consolas" panose="020B0609020204030204" pitchFamily="49" charset="0"/>
+                </a:rPr>
+                <a:t>        </a:t>
+              </a:r>
+              <a:r>
+                <a:rPr lang="en-US" dirty="0">
+                  <a:solidFill>
+                    <a:srgbClr val="0000FF"/>
+                  </a:solidFill>
+                  <a:latin typeface="Consolas" panose="020B0609020204030204" pitchFamily="49" charset="0"/>
+                </a:rPr>
+                <a:t>Return</a:t>
+              </a:r>
+              <a:r>
+                <a:rPr lang="en-US" dirty="0">
+                  <a:solidFill>
+                    <a:srgbClr val="000000"/>
+                  </a:solidFill>
+                  <a:latin typeface="Consolas" panose="020B0609020204030204" pitchFamily="49" charset="0"/>
+                </a:rPr>
+                <a:t> </a:t>
+              </a:r>
+              <a:r>
+                <a:rPr lang="en-US" dirty="0" err="1">
+                  <a:solidFill>
+                    <a:srgbClr val="0000FF"/>
+                  </a:solidFill>
+                  <a:latin typeface="Consolas" panose="020B0609020204030204" pitchFamily="49" charset="0"/>
+                </a:rPr>
+                <a:t>GetType</a:t>
+              </a:r>
+              <a:r>
+                <a:rPr lang="en-US" dirty="0">
+                  <a:solidFill>
+                    <a:srgbClr val="000000"/>
+                  </a:solidFill>
+                  <a:latin typeface="Consolas" panose="020B0609020204030204" pitchFamily="49" charset="0"/>
+                </a:rPr>
+                <a:t>(</a:t>
+              </a:r>
+              <a:r>
+                <a:rPr lang="en-US" dirty="0">
+                  <a:solidFill>
+                    <a:srgbClr val="2B91AF"/>
+                  </a:solidFill>
+                  <a:latin typeface="Consolas" panose="020B0609020204030204" pitchFamily="49" charset="0"/>
+                </a:rPr>
+                <a:t>CLI</a:t>
+              </a:r>
+              <a:r>
+                <a:rPr lang="en-US" dirty="0">
+                  <a:solidFill>
+                    <a:srgbClr val="000000"/>
+                  </a:solidFill>
+                  <a:latin typeface="Consolas" panose="020B0609020204030204" pitchFamily="49" charset="0"/>
+                </a:rPr>
+                <a:t>).</a:t>
+              </a:r>
+              <a:r>
+                <a:rPr lang="en-US" dirty="0" err="1">
+                  <a:solidFill>
+                    <a:srgbClr val="000000"/>
+                  </a:solidFill>
+                  <a:latin typeface="Consolas" panose="020B0609020204030204" pitchFamily="49" charset="0"/>
+                </a:rPr>
+                <a:t>RunCLI</a:t>
+              </a:r>
+              <a:r>
+                <a:rPr lang="en-US" dirty="0">
+                  <a:solidFill>
+                    <a:srgbClr val="000000"/>
+                  </a:solidFill>
+                  <a:latin typeface="Consolas" panose="020B0609020204030204" pitchFamily="49" charset="0"/>
+                </a:rPr>
+                <a:t>(</a:t>
+              </a:r>
+              <a:r>
+                <a:rPr lang="en-US" dirty="0" err="1">
+                  <a:solidFill>
+                    <a:srgbClr val="2B91AF"/>
+                  </a:solidFill>
+                  <a:latin typeface="Consolas" panose="020B0609020204030204" pitchFamily="49" charset="0"/>
+                </a:rPr>
+                <a:t>App</a:t>
+              </a:r>
+              <a:r>
+                <a:rPr lang="en-US" dirty="0" err="1">
+                  <a:solidFill>
+                    <a:srgbClr val="000000"/>
+                  </a:solidFill>
+                  <a:latin typeface="Consolas" panose="020B0609020204030204" pitchFamily="49" charset="0"/>
+                </a:rPr>
+                <a:t>.CommandLine</a:t>
+              </a:r>
+              <a:r>
+                <a:rPr lang="en-US" dirty="0">
+                  <a:solidFill>
+                    <a:srgbClr val="000000"/>
+                  </a:solidFill>
+                  <a:latin typeface="Consolas" panose="020B0609020204030204" pitchFamily="49" charset="0"/>
+                </a:rPr>
+                <a:t>)</a:t>
+              </a:r>
+            </a:p>
+            <a:p>
+              <a:r>
+                <a:rPr lang="en-US" dirty="0">
+                  <a:solidFill>
+                    <a:srgbClr val="000000"/>
+                  </a:solidFill>
+                  <a:latin typeface="Consolas" panose="020B0609020204030204" pitchFamily="49" charset="0"/>
+                </a:rPr>
+                <a:t>    </a:t>
+              </a:r>
+              <a:r>
+                <a:rPr lang="en-US" dirty="0">
+                  <a:solidFill>
+                    <a:srgbClr val="0000FF"/>
+                  </a:solidFill>
+                  <a:latin typeface="Consolas" panose="020B0609020204030204" pitchFamily="49" charset="0"/>
+                </a:rPr>
+                <a:t>End</a:t>
+              </a:r>
+              <a:r>
+                <a:rPr lang="en-US" dirty="0">
+                  <a:solidFill>
+                    <a:srgbClr val="000000"/>
+                  </a:solidFill>
+                  <a:latin typeface="Consolas" panose="020B0609020204030204" pitchFamily="49" charset="0"/>
+                </a:rPr>
+                <a:t> </a:t>
+              </a:r>
+              <a:r>
+                <a:rPr lang="en-US" dirty="0">
+                  <a:solidFill>
+                    <a:srgbClr val="0000FF"/>
+                  </a:solidFill>
+                  <a:latin typeface="Consolas" panose="020B0609020204030204" pitchFamily="49" charset="0"/>
+                </a:rPr>
+                <a:t>Function</a:t>
+              </a:r>
+              <a:endParaRPr lang="en-US" dirty="0">
+                <a:solidFill>
+                  <a:srgbClr val="000000"/>
+                </a:solidFill>
+                <a:latin typeface="Consolas" panose="020B0609020204030204" pitchFamily="49" charset="0"/>
+              </a:endParaRPr>
+            </a:p>
+            <a:p>
+              <a:r>
+                <a:rPr lang="en-US" dirty="0">
+                  <a:solidFill>
+                    <a:srgbClr val="0000FF"/>
+                  </a:solidFill>
+                  <a:latin typeface="Consolas" panose="020B0609020204030204" pitchFamily="49" charset="0"/>
+                </a:rPr>
+                <a:t>End</a:t>
+              </a:r>
+              <a:r>
+                <a:rPr lang="en-US" dirty="0">
+                  <a:solidFill>
+                    <a:srgbClr val="000000"/>
+                  </a:solidFill>
+                  <a:latin typeface="Consolas" panose="020B0609020204030204" pitchFamily="49" charset="0"/>
+                </a:rPr>
+                <a:t> </a:t>
+              </a:r>
+              <a:r>
+                <a:rPr lang="en-US" dirty="0">
+                  <a:solidFill>
+                    <a:srgbClr val="0000FF"/>
+                  </a:solidFill>
+                  <a:latin typeface="Consolas" panose="020B0609020204030204" pitchFamily="49" charset="0"/>
+                </a:rPr>
+                <a:t>Module</a:t>
+              </a:r>
+              <a:endParaRPr lang="en-US" dirty="0"/>
+            </a:p>
+          </p:txBody>
+        </p:sp>
+        <p:graphicFrame>
+          <p:nvGraphicFramePr>
+            <p:cNvPr id="5" name="Diagram 4"/>
+            <p:cNvGraphicFramePr/>
+            <p:nvPr>
+              <p:extLst>
+                <p:ext uri="{D42A27DB-BD31-4B8C-83A1-F6EECF244321}">
+                  <p14:modId xmlns:p14="http://schemas.microsoft.com/office/powerpoint/2010/main" val="3338037226"/>
+                </p:ext>
+              </p:extLst>
+            </p:nvPr>
+          </p:nvGraphicFramePr>
+          <p:xfrm>
+            <a:off x="3819236" y="2142837"/>
+            <a:ext cx="6045199" cy="4839855"/>
+          </p:xfrm>
+          <a:graphic>
+            <a:graphicData uri="http://schemas.openxmlformats.org/drawingml/2006/diagram">
+              <dgm:relIds xmlns:dgm="http://schemas.openxmlformats.org/drawingml/2006/diagram" xmlns:r="http://schemas.openxmlformats.org/officeDocument/2006/relationships" r:dm="rId2" r:lo="rId3" r:qs="rId4" r:cs="rId5"/>
+            </a:graphicData>
+          </a:graphic>
+        </p:graphicFrame>
+        <p:sp>
+          <p:nvSpPr>
+            <p:cNvPr id="7" name="Rectangle 6"/>
+            <p:cNvSpPr/>
+            <p:nvPr/>
+          </p:nvSpPr>
+          <p:spPr>
+            <a:xfrm>
+              <a:off x="397164" y="3833091"/>
+              <a:ext cx="2863273" cy="1357746"/>
+            </a:xfrm>
+            <a:prstGeom prst="rect">
+              <a:avLst/>
+            </a:prstGeom>
+            <a:solidFill>
+              <a:schemeClr val="bg1">
+                <a:lumMod val="95000"/>
+              </a:schemeClr>
+            </a:solidFill>
+          </p:spPr>
+          <p:style>
+            <a:lnRef idx="0">
+              <a:schemeClr val="accent1"/>
+            </a:lnRef>
+            <a:fillRef idx="3">
+              <a:schemeClr val="accent1"/>
+            </a:fillRef>
+            <a:effectRef idx="3">
+              <a:schemeClr val="accent1"/>
+            </a:effectRef>
+            <a:fontRef idx="minor">
+              <a:schemeClr val="lt1"/>
+            </a:fontRef>
+          </p:style>
+          <p:txBody>
+            <a:bodyPr rtlCol="0" anchor="ctr"/>
+            <a:lstStyle/>
+            <a:p>
+              <a:pPr algn="ctr"/>
+              <a:r>
+                <a:rPr lang="en-US" dirty="0" smtClean="0">
+                  <a:solidFill>
+                    <a:srgbClr val="0000FF"/>
+                  </a:solidFill>
+                  <a:latin typeface="Consolas" panose="020B0609020204030204" pitchFamily="49" charset="0"/>
+                </a:rPr>
+                <a:t>Module</a:t>
+              </a:r>
+              <a:r>
+                <a:rPr lang="en-US" dirty="0" smtClean="0">
+                  <a:solidFill>
+                    <a:srgbClr val="000000"/>
+                  </a:solidFill>
+                  <a:latin typeface="Consolas" panose="020B0609020204030204" pitchFamily="49" charset="0"/>
+                </a:rPr>
+                <a:t> </a:t>
+              </a:r>
+              <a:r>
+                <a:rPr lang="en-US" dirty="0" smtClean="0">
+                  <a:solidFill>
+                    <a:srgbClr val="2B91AF"/>
+                  </a:solidFill>
+                  <a:latin typeface="Consolas" panose="020B0609020204030204" pitchFamily="49" charset="0"/>
+                </a:rPr>
+                <a:t>CLI</a:t>
+              </a:r>
+            </a:p>
+            <a:p>
+              <a:pPr algn="ctr"/>
+              <a:r>
+                <a:rPr lang="en-US" dirty="0" smtClean="0">
+                  <a:solidFill>
+                    <a:srgbClr val="2B91AF"/>
+                  </a:solidFill>
+                  <a:latin typeface="Consolas" panose="020B0609020204030204" pitchFamily="49" charset="0"/>
+                </a:rPr>
+                <a:t>‘ ...</a:t>
+              </a:r>
+            </a:p>
+            <a:p>
+              <a:pPr algn="ctr"/>
+              <a:r>
+                <a:rPr lang="en-US" dirty="0" smtClean="0">
+                  <a:solidFill>
+                    <a:srgbClr val="0000FF"/>
+                  </a:solidFill>
+                  <a:latin typeface="Consolas" panose="020B0609020204030204" pitchFamily="49" charset="0"/>
+                </a:rPr>
+                <a:t>End</a:t>
+              </a:r>
+              <a:r>
+                <a:rPr lang="en-US" dirty="0" smtClean="0">
+                  <a:solidFill>
+                    <a:srgbClr val="000000"/>
+                  </a:solidFill>
+                  <a:latin typeface="Consolas" panose="020B0609020204030204" pitchFamily="49" charset="0"/>
+                </a:rPr>
+                <a:t> </a:t>
+              </a:r>
+              <a:r>
+                <a:rPr lang="en-US" dirty="0" smtClean="0">
+                  <a:solidFill>
+                    <a:srgbClr val="0000FF"/>
+                  </a:solidFill>
+                  <a:latin typeface="Consolas" panose="020B0609020204030204" pitchFamily="49" charset="0"/>
+                </a:rPr>
+                <a:t>Module</a:t>
+              </a:r>
+              <a:endParaRPr lang="en-US" dirty="0" smtClean="0"/>
+            </a:p>
+          </p:txBody>
+        </p:sp>
+        <p:sp>
+          <p:nvSpPr>
+            <p:cNvPr id="8" name="Left Brace 7"/>
+            <p:cNvSpPr/>
+            <p:nvPr/>
+          </p:nvSpPr>
+          <p:spPr>
+            <a:xfrm>
+              <a:off x="3740727" y="2514600"/>
+              <a:ext cx="789710" cy="4070927"/>
+            </a:xfrm>
+            <a:prstGeom prst="leftBrace">
+              <a:avLst/>
+            </a:prstGeom>
+            <a:noFill/>
+            <a:ln w="63500">
+              <a:solidFill>
+                <a:schemeClr val="tx1">
+                  <a:lumMod val="95000"/>
+                  <a:lumOff val="5000"/>
+                </a:schemeClr>
+              </a:solidFill>
+            </a:ln>
+          </p:spPr>
+          <p:style>
+            <a:lnRef idx="1">
+              <a:schemeClr val="accent1"/>
+            </a:lnRef>
+            <a:fillRef idx="0">
+              <a:schemeClr val="accent1"/>
+            </a:fillRef>
+            <a:effectRef idx="0">
+              <a:schemeClr val="accent1"/>
+            </a:effectRef>
+            <a:fontRef idx="minor">
+              <a:schemeClr val="tx1"/>
+            </a:fontRef>
+          </p:style>
+          <p:txBody>
+            <a:bodyPr rtlCol="0" anchor="ctr"/>
+            <a:lstStyle/>
+            <a:p>
+              <a:pPr algn="ctr"/>
+              <a:endParaRPr lang="en-US"/>
+            </a:p>
+          </p:txBody>
+        </p:sp>
+        <p:sp>
+          <p:nvSpPr>
+            <p:cNvPr id="9" name="Down Arrow 8"/>
+            <p:cNvSpPr/>
+            <p:nvPr/>
+          </p:nvSpPr>
+          <p:spPr>
+            <a:xfrm>
+              <a:off x="858982" y="2276763"/>
+              <a:ext cx="1496291" cy="1445491"/>
+            </a:xfrm>
+            <a:prstGeom prst="downArrow">
+              <a:avLst>
+                <a:gd name="adj1" fmla="val 67284"/>
+                <a:gd name="adj2" fmla="val 50000"/>
+              </a:avLst>
+            </a:prstGeom>
+          </p:spPr>
+          <p:style>
+            <a:lnRef idx="0">
+              <a:schemeClr val="accent5"/>
+            </a:lnRef>
+            <a:fillRef idx="3">
+              <a:schemeClr val="accent5"/>
+            </a:fillRef>
+            <a:effectRef idx="3">
+              <a:schemeClr val="accent5"/>
+            </a:effectRef>
+            <a:fontRef idx="minor">
+              <a:schemeClr val="lt1"/>
+            </a:fontRef>
+          </p:style>
+          <p:txBody>
+            <a:bodyPr rtlCol="0" anchor="ctr"/>
+            <a:lstStyle/>
+            <a:p>
+              <a:pPr algn="ctr"/>
+              <a:endParaRPr lang="en-US"/>
+            </a:p>
+          </p:txBody>
+        </p:sp>
+      </p:grpSp>
     </p:spTree>
     <p:extLst>
       <p:ext uri="{BB962C8B-B14F-4D97-AF65-F5344CB8AC3E}">
